--- a/Images/Figures_PPT/Box_Plot_Raptor_Domain.pptx
+++ b/Images/Figures_PPT/Box_Plot_Raptor_Domain.pptx
@@ -2298,8 +2298,8 @@
           </p:nvSpPr>
           <p:spPr>
             <a:xfrm>
-              <a:off x="914400" y="914400"/>
-              <a:ext cx="9144000" cy="6400800"/>
+              <a:off x="10058400" y="914400"/>
+              <a:ext cx="0" cy="6400800"/>
             </a:xfrm>
             <a:prstGeom prst="rect">
               <a:avLst/>
@@ -2333,8 +2333,8 @@
           </p:nvSpPr>
           <p:spPr>
             <a:xfrm>
-              <a:off x="1459435" y="1407846"/>
-              <a:ext cx="8529375" cy="5507419"/>
+              <a:off x="1427580" y="1392990"/>
+              <a:ext cx="8561230" cy="5534432"/>
             </a:xfrm>
             <a:prstGeom prst="rect">
               <a:avLst/>
@@ -2359,21 +2359,21 @@
           </p:nvSpPr>
           <p:spPr>
             <a:xfrm>
-              <a:off x="1459435" y="6197557"/>
-              <a:ext cx="8529375" cy="0"/>
-            </a:xfrm>
-            <a:custGeom>
-              <a:avLst/>
-              <a:pathLst>
-                <a:path w="8529375" h="0">
-                  <a:moveTo>
-                    <a:pt x="0" y="0"/>
-                  </a:moveTo>
-                  <a:lnTo>
-                    <a:pt x="8529375" y="0"/>
-                  </a:lnTo>
-                  <a:lnTo>
-                    <a:pt x="8529375" y="0"/>
+              <a:off x="1427580" y="6206192"/>
+              <a:ext cx="8561230" cy="0"/>
+            </a:xfrm>
+            <a:custGeom>
+              <a:avLst/>
+              <a:pathLst>
+                <a:path w="8561230" h="0">
+                  <a:moveTo>
+                    <a:pt x="0" y="0"/>
+                  </a:moveTo>
+                  <a:lnTo>
+                    <a:pt x="8561230" y="0"/>
+                  </a:lnTo>
+                  <a:lnTo>
+                    <a:pt x="8561230" y="0"/>
                   </a:lnTo>
                 </a:path>
               </a:pathLst>
@@ -2402,21 +2402,21 @@
           </p:nvSpPr>
           <p:spPr>
             <a:xfrm>
-              <a:off x="1459435" y="4613244"/>
-              <a:ext cx="8529375" cy="0"/>
-            </a:xfrm>
-            <a:custGeom>
-              <a:avLst/>
-              <a:pathLst>
-                <a:path w="8529375" h="0">
-                  <a:moveTo>
-                    <a:pt x="0" y="0"/>
-                  </a:moveTo>
-                  <a:lnTo>
-                    <a:pt x="8529375" y="0"/>
-                  </a:lnTo>
-                  <a:lnTo>
-                    <a:pt x="8529375" y="0"/>
+              <a:off x="1427580" y="4614109"/>
+              <a:ext cx="8561230" cy="0"/>
+            </a:xfrm>
+            <a:custGeom>
+              <a:avLst/>
+              <a:pathLst>
+                <a:path w="8561230" h="0">
+                  <a:moveTo>
+                    <a:pt x="0" y="0"/>
+                  </a:moveTo>
+                  <a:lnTo>
+                    <a:pt x="8561230" y="0"/>
+                  </a:lnTo>
+                  <a:lnTo>
+                    <a:pt x="8561230" y="0"/>
                   </a:lnTo>
                 </a:path>
               </a:pathLst>
@@ -2445,21 +2445,21 @@
           </p:nvSpPr>
           <p:spPr>
             <a:xfrm>
-              <a:off x="1459435" y="3028931"/>
-              <a:ext cx="8529375" cy="0"/>
-            </a:xfrm>
-            <a:custGeom>
-              <a:avLst/>
-              <a:pathLst>
-                <a:path w="8529375" h="0">
-                  <a:moveTo>
-                    <a:pt x="0" y="0"/>
-                  </a:moveTo>
-                  <a:lnTo>
-                    <a:pt x="8529375" y="0"/>
-                  </a:lnTo>
-                  <a:lnTo>
-                    <a:pt x="8529375" y="0"/>
+              <a:off x="1427580" y="3022025"/>
+              <a:ext cx="8561230" cy="0"/>
+            </a:xfrm>
+            <a:custGeom>
+              <a:avLst/>
+              <a:pathLst>
+                <a:path w="8561230" h="0">
+                  <a:moveTo>
+                    <a:pt x="0" y="0"/>
+                  </a:moveTo>
+                  <a:lnTo>
+                    <a:pt x="8561230" y="0"/>
+                  </a:lnTo>
+                  <a:lnTo>
+                    <a:pt x="8561230" y="0"/>
                   </a:lnTo>
                 </a:path>
               </a:pathLst>
@@ -2488,21 +2488,21 @@
           </p:nvSpPr>
           <p:spPr>
             <a:xfrm>
-              <a:off x="1459435" y="1444618"/>
-              <a:ext cx="8529375" cy="0"/>
-            </a:xfrm>
-            <a:custGeom>
-              <a:avLst/>
-              <a:pathLst>
-                <a:path w="8529375" h="0">
-                  <a:moveTo>
-                    <a:pt x="0" y="0"/>
-                  </a:moveTo>
-                  <a:lnTo>
-                    <a:pt x="8529375" y="0"/>
-                  </a:lnTo>
-                  <a:lnTo>
-                    <a:pt x="8529375" y="0"/>
+              <a:off x="1427580" y="1429942"/>
+              <a:ext cx="8561230" cy="0"/>
+            </a:xfrm>
+            <a:custGeom>
+              <a:avLst/>
+              <a:pathLst>
+                <a:path w="8561230" h="0">
+                  <a:moveTo>
+                    <a:pt x="0" y="0"/>
+                  </a:moveTo>
+                  <a:lnTo>
+                    <a:pt x="8561230" y="0"/>
+                  </a:lnTo>
+                  <a:lnTo>
+                    <a:pt x="8561230" y="0"/>
                   </a:lnTo>
                 </a:path>
               </a:pathLst>
@@ -2531,21 +2531,21 @@
           </p:nvSpPr>
           <p:spPr>
             <a:xfrm>
-              <a:off x="1459435" y="5405400"/>
-              <a:ext cx="8529375" cy="0"/>
-            </a:xfrm>
-            <a:custGeom>
-              <a:avLst/>
-              <a:pathLst>
-                <a:path w="8529375" h="0">
-                  <a:moveTo>
-                    <a:pt x="0" y="0"/>
-                  </a:moveTo>
-                  <a:lnTo>
-                    <a:pt x="8529375" y="0"/>
-                  </a:lnTo>
-                  <a:lnTo>
-                    <a:pt x="8529375" y="0"/>
+              <a:off x="1427580" y="5410150"/>
+              <a:ext cx="8561230" cy="0"/>
+            </a:xfrm>
+            <a:custGeom>
+              <a:avLst/>
+              <a:pathLst>
+                <a:path w="8561230" h="0">
+                  <a:moveTo>
+                    <a:pt x="0" y="0"/>
+                  </a:moveTo>
+                  <a:lnTo>
+                    <a:pt x="8561230" y="0"/>
+                  </a:lnTo>
+                  <a:lnTo>
+                    <a:pt x="8561230" y="0"/>
                   </a:lnTo>
                 </a:path>
               </a:pathLst>
@@ -2574,21 +2574,21 @@
           </p:nvSpPr>
           <p:spPr>
             <a:xfrm>
-              <a:off x="1459435" y="3821087"/>
-              <a:ext cx="8529375" cy="0"/>
-            </a:xfrm>
-            <a:custGeom>
-              <a:avLst/>
-              <a:pathLst>
-                <a:path w="8529375" h="0">
-                  <a:moveTo>
-                    <a:pt x="0" y="0"/>
-                  </a:moveTo>
-                  <a:lnTo>
-                    <a:pt x="8529375" y="0"/>
-                  </a:lnTo>
-                  <a:lnTo>
-                    <a:pt x="8529375" y="0"/>
+              <a:off x="1427580" y="3818067"/>
+              <a:ext cx="8561230" cy="0"/>
+            </a:xfrm>
+            <a:custGeom>
+              <a:avLst/>
+              <a:pathLst>
+                <a:path w="8561230" h="0">
+                  <a:moveTo>
+                    <a:pt x="0" y="0"/>
+                  </a:moveTo>
+                  <a:lnTo>
+                    <a:pt x="8561230" y="0"/>
+                  </a:lnTo>
+                  <a:lnTo>
+                    <a:pt x="8561230" y="0"/>
                   </a:lnTo>
                 </a:path>
               </a:pathLst>
@@ -2617,21 +2617,21 @@
           </p:nvSpPr>
           <p:spPr>
             <a:xfrm>
-              <a:off x="1459435" y="2236775"/>
-              <a:ext cx="8529375" cy="0"/>
-            </a:xfrm>
-            <a:custGeom>
-              <a:avLst/>
-              <a:pathLst>
-                <a:path w="8529375" h="0">
-                  <a:moveTo>
-                    <a:pt x="0" y="0"/>
-                  </a:moveTo>
-                  <a:lnTo>
-                    <a:pt x="8529375" y="0"/>
-                  </a:lnTo>
-                  <a:lnTo>
-                    <a:pt x="8529375" y="0"/>
+              <a:off x="1427580" y="2225983"/>
+              <a:ext cx="8561230" cy="0"/>
+            </a:xfrm>
+            <a:custGeom>
+              <a:avLst/>
+              <a:pathLst>
+                <a:path w="8561230" h="0">
+                  <a:moveTo>
+                    <a:pt x="0" y="0"/>
+                  </a:moveTo>
+                  <a:lnTo>
+                    <a:pt x="8561230" y="0"/>
+                  </a:lnTo>
+                  <a:lnTo>
+                    <a:pt x="8561230" y="0"/>
                   </a:lnTo>
                 </a:path>
               </a:pathLst>
@@ -2660,15 +2660,15 @@
           </p:nvSpPr>
           <p:spPr>
             <a:xfrm>
-              <a:off x="2083536" y="1407846"/>
-              <a:ext cx="0" cy="5507419"/>
-            </a:xfrm>
-            <a:custGeom>
-              <a:avLst/>
-              <a:pathLst>
-                <a:path w="0" h="5507419">
-                  <a:moveTo>
-                    <a:pt x="0" y="5507419"/>
+              <a:off x="2054011" y="1392990"/>
+              <a:ext cx="0" cy="5534432"/>
+            </a:xfrm>
+            <a:custGeom>
+              <a:avLst/>
+              <a:pathLst>
+                <a:path w="0" h="5534432">
+                  <a:moveTo>
+                    <a:pt x="0" y="5534432"/>
                   </a:moveTo>
                   <a:lnTo>
                     <a:pt x="0" y="0"/>
@@ -2703,15 +2703,15 @@
           </p:nvSpPr>
           <p:spPr>
             <a:xfrm>
-              <a:off x="3123704" y="1407846"/>
-              <a:ext cx="0" cy="5507419"/>
-            </a:xfrm>
-            <a:custGeom>
-              <a:avLst/>
-              <a:pathLst>
-                <a:path w="0" h="5507419">
-                  <a:moveTo>
-                    <a:pt x="0" y="5507419"/>
+              <a:off x="3098064" y="1392990"/>
+              <a:ext cx="0" cy="5534432"/>
+            </a:xfrm>
+            <a:custGeom>
+              <a:avLst/>
+              <a:pathLst>
+                <a:path w="0" h="5534432">
+                  <a:moveTo>
+                    <a:pt x="0" y="5534432"/>
                   </a:moveTo>
                   <a:lnTo>
                     <a:pt x="0" y="0"/>
@@ -2746,15 +2746,15 @@
           </p:nvSpPr>
           <p:spPr>
             <a:xfrm>
-              <a:off x="4163871" y="1407846"/>
-              <a:ext cx="0" cy="5507419"/>
-            </a:xfrm>
-            <a:custGeom>
-              <a:avLst/>
-              <a:pathLst>
-                <a:path w="0" h="5507419">
-                  <a:moveTo>
-                    <a:pt x="0" y="5507419"/>
+              <a:off x="4142116" y="1392990"/>
+              <a:ext cx="0" cy="5534432"/>
+            </a:xfrm>
+            <a:custGeom>
+              <a:avLst/>
+              <a:pathLst>
+                <a:path w="0" h="5534432">
+                  <a:moveTo>
+                    <a:pt x="0" y="5534432"/>
                   </a:moveTo>
                   <a:lnTo>
                     <a:pt x="0" y="0"/>
@@ -2789,15 +2789,15 @@
           </p:nvSpPr>
           <p:spPr>
             <a:xfrm>
-              <a:off x="5204039" y="1407846"/>
-              <a:ext cx="0" cy="5507419"/>
-            </a:xfrm>
-            <a:custGeom>
-              <a:avLst/>
-              <a:pathLst>
-                <a:path w="0" h="5507419">
-                  <a:moveTo>
-                    <a:pt x="0" y="5507419"/>
+              <a:off x="5186169" y="1392990"/>
+              <a:ext cx="0" cy="5534432"/>
+            </a:xfrm>
+            <a:custGeom>
+              <a:avLst/>
+              <a:pathLst>
+                <a:path w="0" h="5534432">
+                  <a:moveTo>
+                    <a:pt x="0" y="5534432"/>
                   </a:moveTo>
                   <a:lnTo>
                     <a:pt x="0" y="0"/>
@@ -2832,15 +2832,15 @@
           </p:nvSpPr>
           <p:spPr>
             <a:xfrm>
-              <a:off x="6244207" y="1407846"/>
-              <a:ext cx="0" cy="5507419"/>
-            </a:xfrm>
-            <a:custGeom>
-              <a:avLst/>
-              <a:pathLst>
-                <a:path w="0" h="5507419">
-                  <a:moveTo>
-                    <a:pt x="0" y="5507419"/>
+              <a:off x="6230221" y="1392990"/>
+              <a:ext cx="0" cy="5534432"/>
+            </a:xfrm>
+            <a:custGeom>
+              <a:avLst/>
+              <a:pathLst>
+                <a:path w="0" h="5534432">
+                  <a:moveTo>
+                    <a:pt x="0" y="5534432"/>
                   </a:moveTo>
                   <a:lnTo>
                     <a:pt x="0" y="0"/>
@@ -2875,15 +2875,15 @@
           </p:nvSpPr>
           <p:spPr>
             <a:xfrm>
-              <a:off x="7284374" y="1407846"/>
-              <a:ext cx="0" cy="5507419"/>
-            </a:xfrm>
-            <a:custGeom>
-              <a:avLst/>
-              <a:pathLst>
-                <a:path w="0" h="5507419">
-                  <a:moveTo>
-                    <a:pt x="0" y="5507419"/>
+              <a:off x="7274274" y="1392990"/>
+              <a:ext cx="0" cy="5534432"/>
+            </a:xfrm>
+            <a:custGeom>
+              <a:avLst/>
+              <a:pathLst>
+                <a:path w="0" h="5534432">
+                  <a:moveTo>
+                    <a:pt x="0" y="5534432"/>
                   </a:moveTo>
                   <a:lnTo>
                     <a:pt x="0" y="0"/>
@@ -2918,15 +2918,15 @@
           </p:nvSpPr>
           <p:spPr>
             <a:xfrm>
-              <a:off x="8324542" y="1407846"/>
-              <a:ext cx="0" cy="5507419"/>
-            </a:xfrm>
-            <a:custGeom>
-              <a:avLst/>
-              <a:pathLst>
-                <a:path w="0" h="5507419">
-                  <a:moveTo>
-                    <a:pt x="0" y="5507419"/>
+              <a:off x="8318326" y="1392990"/>
+              <a:ext cx="0" cy="5534432"/>
+            </a:xfrm>
+            <a:custGeom>
+              <a:avLst/>
+              <a:pathLst>
+                <a:path w="0" h="5534432">
+                  <a:moveTo>
+                    <a:pt x="0" y="5534432"/>
                   </a:moveTo>
                   <a:lnTo>
                     <a:pt x="0" y="0"/>
@@ -2961,15 +2961,15 @@
           </p:nvSpPr>
           <p:spPr>
             <a:xfrm>
-              <a:off x="9364710" y="1407846"/>
-              <a:ext cx="0" cy="5507419"/>
-            </a:xfrm>
-            <a:custGeom>
-              <a:avLst/>
-              <a:pathLst>
-                <a:path w="0" h="5507419">
-                  <a:moveTo>
-                    <a:pt x="0" y="5507419"/>
+              <a:off x="9362379" y="1392990"/>
+              <a:ext cx="0" cy="5534432"/>
+            </a:xfrm>
+            <a:custGeom>
+              <a:avLst/>
+              <a:pathLst>
+                <a:path w="0" h="5534432">
+                  <a:moveTo>
+                    <a:pt x="0" y="5534432"/>
                   </a:moveTo>
                   <a:lnTo>
                     <a:pt x="0" y="0"/>
@@ -3004,18 +3004,18 @@
           </p:nvSpPr>
           <p:spPr>
             <a:xfrm>
-              <a:off x="1823494" y="5734303"/>
-              <a:ext cx="520083" cy="0"/>
-            </a:xfrm>
-            <a:custGeom>
-              <a:avLst/>
-              <a:pathLst>
-                <a:path w="520083" h="0">
-                  <a:moveTo>
-                    <a:pt x="0" y="0"/>
-                  </a:moveTo>
-                  <a:lnTo>
-                    <a:pt x="520083" y="0"/>
+              <a:off x="1792998" y="5740667"/>
+              <a:ext cx="522026" cy="0"/>
+            </a:xfrm>
+            <a:custGeom>
+              <a:avLst/>
+              <a:pathLst>
+                <a:path w="522026" h="0">
+                  <a:moveTo>
+                    <a:pt x="0" y="0"/>
+                  </a:moveTo>
+                  <a:lnTo>
+                    <a:pt x="522026" y="0"/>
                   </a:lnTo>
                 </a:path>
               </a:pathLst>
@@ -3044,18 +3044,18 @@
           </p:nvSpPr>
           <p:spPr>
             <a:xfrm>
-              <a:off x="2083536" y="5734303"/>
-              <a:ext cx="0" cy="554826"/>
-            </a:xfrm>
-            <a:custGeom>
-              <a:avLst/>
-              <a:pathLst>
-                <a:path w="0" h="554826">
-                  <a:moveTo>
-                    <a:pt x="0" y="0"/>
-                  </a:moveTo>
-                  <a:lnTo>
-                    <a:pt x="0" y="554826"/>
+              <a:off x="2054011" y="5740667"/>
+              <a:ext cx="0" cy="557547"/>
+            </a:xfrm>
+            <a:custGeom>
+              <a:avLst/>
+              <a:pathLst>
+                <a:path w="0" h="557547">
+                  <a:moveTo>
+                    <a:pt x="0" y="0"/>
+                  </a:moveTo>
+                  <a:lnTo>
+                    <a:pt x="0" y="557547"/>
                   </a:lnTo>
                 </a:path>
               </a:pathLst>
@@ -3084,18 +3084,18 @@
           </p:nvSpPr>
           <p:spPr>
             <a:xfrm>
-              <a:off x="1823494" y="6289130"/>
-              <a:ext cx="520083" cy="0"/>
-            </a:xfrm>
-            <a:custGeom>
-              <a:avLst/>
-              <a:pathLst>
-                <a:path w="520083" h="0">
-                  <a:moveTo>
-                    <a:pt x="0" y="0"/>
-                  </a:moveTo>
-                  <a:lnTo>
-                    <a:pt x="520083" y="0"/>
+              <a:off x="1792998" y="6298214"/>
+              <a:ext cx="522026" cy="0"/>
+            </a:xfrm>
+            <a:custGeom>
+              <a:avLst/>
+              <a:pathLst>
+                <a:path w="522026" h="0">
+                  <a:moveTo>
+                    <a:pt x="0" y="0"/>
+                  </a:moveTo>
+                  <a:lnTo>
+                    <a:pt x="522026" y="0"/>
                   </a:lnTo>
                 </a:path>
               </a:pathLst>
@@ -3124,18 +3124,18 @@
           </p:nvSpPr>
           <p:spPr>
             <a:xfrm>
-              <a:off x="2863662" y="2756746"/>
-              <a:ext cx="520083" cy="0"/>
-            </a:xfrm>
-            <a:custGeom>
-              <a:avLst/>
-              <a:pathLst>
-                <a:path w="520083" h="0">
-                  <a:moveTo>
-                    <a:pt x="0" y="0"/>
-                  </a:moveTo>
-                  <a:lnTo>
-                    <a:pt x="520083" y="0"/>
+              <a:off x="2837051" y="2748505"/>
+              <a:ext cx="522026" cy="0"/>
+            </a:xfrm>
+            <a:custGeom>
+              <a:avLst/>
+              <a:pathLst>
+                <a:path w="522026" h="0">
+                  <a:moveTo>
+                    <a:pt x="0" y="0"/>
+                  </a:moveTo>
+                  <a:lnTo>
+                    <a:pt x="522026" y="0"/>
                   </a:lnTo>
                 </a:path>
               </a:pathLst>
@@ -3164,18 +3164,18 @@
           </p:nvSpPr>
           <p:spPr>
             <a:xfrm>
-              <a:off x="3123704" y="2756746"/>
-              <a:ext cx="0" cy="1450279"/>
-            </a:xfrm>
-            <a:custGeom>
-              <a:avLst/>
-              <a:pathLst>
-                <a:path w="0" h="1450279">
-                  <a:moveTo>
-                    <a:pt x="0" y="0"/>
-                  </a:moveTo>
-                  <a:lnTo>
-                    <a:pt x="0" y="1450279"/>
+              <a:off x="3098064" y="2748505"/>
+              <a:ext cx="0" cy="1457393"/>
+            </a:xfrm>
+            <a:custGeom>
+              <a:avLst/>
+              <a:pathLst>
+                <a:path w="0" h="1457393">
+                  <a:moveTo>
+                    <a:pt x="0" y="0"/>
+                  </a:moveTo>
+                  <a:lnTo>
+                    <a:pt x="0" y="1457393"/>
                   </a:lnTo>
                 </a:path>
               </a:pathLst>
@@ -3204,18 +3204,18 @@
           </p:nvSpPr>
           <p:spPr>
             <a:xfrm>
-              <a:off x="2863662" y="4207026"/>
-              <a:ext cx="520083" cy="0"/>
-            </a:xfrm>
-            <a:custGeom>
-              <a:avLst/>
-              <a:pathLst>
-                <a:path w="520083" h="0">
-                  <a:moveTo>
-                    <a:pt x="0" y="0"/>
-                  </a:moveTo>
-                  <a:lnTo>
-                    <a:pt x="520083" y="0"/>
+              <a:off x="2837051" y="4205898"/>
+              <a:ext cx="522026" cy="0"/>
+            </a:xfrm>
+            <a:custGeom>
+              <a:avLst/>
+              <a:pathLst>
+                <a:path w="522026" h="0">
+                  <a:moveTo>
+                    <a:pt x="0" y="0"/>
+                  </a:moveTo>
+                  <a:lnTo>
+                    <a:pt x="522026" y="0"/>
                   </a:lnTo>
                 </a:path>
               </a:pathLst>
@@ -3244,18 +3244,18 @@
           </p:nvSpPr>
           <p:spPr>
             <a:xfrm>
-              <a:off x="3903829" y="3804611"/>
-              <a:ext cx="520083" cy="0"/>
-            </a:xfrm>
-            <a:custGeom>
-              <a:avLst/>
-              <a:pathLst>
-                <a:path w="520083" h="0">
-                  <a:moveTo>
-                    <a:pt x="0" y="0"/>
-                  </a:moveTo>
-                  <a:lnTo>
-                    <a:pt x="520083" y="0"/>
+              <a:off x="3881103" y="3801509"/>
+              <a:ext cx="522026" cy="0"/>
+            </a:xfrm>
+            <a:custGeom>
+              <a:avLst/>
+              <a:pathLst>
+                <a:path w="522026" h="0">
+                  <a:moveTo>
+                    <a:pt x="0" y="0"/>
+                  </a:moveTo>
+                  <a:lnTo>
+                    <a:pt x="522026" y="0"/>
                   </a:lnTo>
                 </a:path>
               </a:pathLst>
@@ -3284,18 +3284,18 @@
           </p:nvSpPr>
           <p:spPr>
             <a:xfrm>
-              <a:off x="4163871" y="3804611"/>
-              <a:ext cx="0" cy="1566885"/>
-            </a:xfrm>
-            <a:custGeom>
-              <a:avLst/>
-              <a:pathLst>
-                <a:path w="0" h="1566885">
-                  <a:moveTo>
-                    <a:pt x="0" y="0"/>
-                  </a:moveTo>
-                  <a:lnTo>
-                    <a:pt x="0" y="1566885"/>
+              <a:off x="4142116" y="3801509"/>
+              <a:ext cx="0" cy="1574570"/>
+            </a:xfrm>
+            <a:custGeom>
+              <a:avLst/>
+              <a:pathLst>
+                <a:path w="0" h="1574570">
+                  <a:moveTo>
+                    <a:pt x="0" y="0"/>
+                  </a:moveTo>
+                  <a:lnTo>
+                    <a:pt x="0" y="1574570"/>
                   </a:lnTo>
                 </a:path>
               </a:pathLst>
@@ -3324,18 +3324,18 @@
           </p:nvSpPr>
           <p:spPr>
             <a:xfrm>
-              <a:off x="3903829" y="5371496"/>
-              <a:ext cx="520083" cy="0"/>
-            </a:xfrm>
-            <a:custGeom>
-              <a:avLst/>
-              <a:pathLst>
-                <a:path w="520083" h="0">
-                  <a:moveTo>
-                    <a:pt x="0" y="0"/>
-                  </a:moveTo>
-                  <a:lnTo>
-                    <a:pt x="520083" y="0"/>
+              <a:off x="3881103" y="5376080"/>
+              <a:ext cx="522026" cy="0"/>
+            </a:xfrm>
+            <a:custGeom>
+              <a:avLst/>
+              <a:pathLst>
+                <a:path w="522026" h="0">
+                  <a:moveTo>
+                    <a:pt x="0" y="0"/>
+                  </a:moveTo>
+                  <a:lnTo>
+                    <a:pt x="522026" y="0"/>
                   </a:lnTo>
                 </a:path>
               </a:pathLst>
@@ -3364,18 +3364,18 @@
           </p:nvSpPr>
           <p:spPr>
             <a:xfrm>
-              <a:off x="4943997" y="3487748"/>
-              <a:ext cx="520083" cy="0"/>
-            </a:xfrm>
-            <a:custGeom>
-              <a:avLst/>
-              <a:pathLst>
-                <a:path w="520083" h="0">
-                  <a:moveTo>
-                    <a:pt x="0" y="0"/>
-                  </a:moveTo>
-                  <a:lnTo>
-                    <a:pt x="520083" y="0"/>
+              <a:off x="4925156" y="3483093"/>
+              <a:ext cx="522026" cy="0"/>
+            </a:xfrm>
+            <a:custGeom>
+              <a:avLst/>
+              <a:pathLst>
+                <a:path w="522026" h="0">
+                  <a:moveTo>
+                    <a:pt x="0" y="0"/>
+                  </a:moveTo>
+                  <a:lnTo>
+                    <a:pt x="522026" y="0"/>
                   </a:lnTo>
                 </a:path>
               </a:pathLst>
@@ -3404,18 +3404,18 @@
           </p:nvSpPr>
           <p:spPr>
             <a:xfrm>
-              <a:off x="5204039" y="3487748"/>
-              <a:ext cx="0" cy="2918304"/>
-            </a:xfrm>
-            <a:custGeom>
-              <a:avLst/>
-              <a:pathLst>
-                <a:path w="0" h="2918304">
-                  <a:moveTo>
-                    <a:pt x="0" y="0"/>
-                  </a:moveTo>
-                  <a:lnTo>
-                    <a:pt x="0" y="2918304"/>
+              <a:off x="5186169" y="3483093"/>
+              <a:ext cx="0" cy="2932617"/>
+            </a:xfrm>
+            <a:custGeom>
+              <a:avLst/>
+              <a:pathLst>
+                <a:path w="0" h="2932617">
+                  <a:moveTo>
+                    <a:pt x="0" y="0"/>
+                  </a:moveTo>
+                  <a:lnTo>
+                    <a:pt x="0" y="2932617"/>
                   </a:lnTo>
                 </a:path>
               </a:pathLst>
@@ -3444,18 +3444,18 @@
           </p:nvSpPr>
           <p:spPr>
             <a:xfrm>
-              <a:off x="4943997" y="6406052"/>
-              <a:ext cx="520083" cy="0"/>
-            </a:xfrm>
-            <a:custGeom>
-              <a:avLst/>
-              <a:pathLst>
-                <a:path w="520083" h="0">
-                  <a:moveTo>
-                    <a:pt x="0" y="0"/>
-                  </a:moveTo>
-                  <a:lnTo>
-                    <a:pt x="520083" y="0"/>
+              <a:off x="4925156" y="6415710"/>
+              <a:ext cx="522026" cy="0"/>
+            </a:xfrm>
+            <a:custGeom>
+              <a:avLst/>
+              <a:pathLst>
+                <a:path w="522026" h="0">
+                  <a:moveTo>
+                    <a:pt x="0" y="0"/>
+                  </a:moveTo>
+                  <a:lnTo>
+                    <a:pt x="522026" y="0"/>
                   </a:lnTo>
                 </a:path>
               </a:pathLst>
@@ -3484,18 +3484,18 @@
           </p:nvSpPr>
           <p:spPr>
             <a:xfrm>
-              <a:off x="5984165" y="3333119"/>
-              <a:ext cx="520083" cy="0"/>
-            </a:xfrm>
-            <a:custGeom>
-              <a:avLst/>
-              <a:pathLst>
-                <a:path w="520083" h="0">
-                  <a:moveTo>
-                    <a:pt x="0" y="0"/>
-                  </a:moveTo>
-                  <a:lnTo>
-                    <a:pt x="520083" y="0"/>
+              <a:off x="5969208" y="3327705"/>
+              <a:ext cx="522026" cy="0"/>
+            </a:xfrm>
+            <a:custGeom>
+              <a:avLst/>
+              <a:pathLst>
+                <a:path w="522026" h="0">
+                  <a:moveTo>
+                    <a:pt x="0" y="0"/>
+                  </a:moveTo>
+                  <a:lnTo>
+                    <a:pt x="522026" y="0"/>
                   </a:lnTo>
                 </a:path>
               </a:pathLst>
@@ -3524,18 +3524,18 @@
           </p:nvSpPr>
           <p:spPr>
             <a:xfrm>
-              <a:off x="6244207" y="3333119"/>
-              <a:ext cx="0" cy="3331809"/>
-            </a:xfrm>
-            <a:custGeom>
-              <a:avLst/>
-              <a:pathLst>
-                <a:path w="0" h="3331809">
-                  <a:moveTo>
-                    <a:pt x="0" y="0"/>
-                  </a:moveTo>
-                  <a:lnTo>
-                    <a:pt x="0" y="3331809"/>
+              <a:off x="6230221" y="3327705"/>
+              <a:ext cx="0" cy="3348151"/>
+            </a:xfrm>
+            <a:custGeom>
+              <a:avLst/>
+              <a:pathLst>
+                <a:path w="0" h="3348151">
+                  <a:moveTo>
+                    <a:pt x="0" y="0"/>
+                  </a:moveTo>
+                  <a:lnTo>
+                    <a:pt x="0" y="3348151"/>
                   </a:lnTo>
                 </a:path>
               </a:pathLst>
@@ -3564,18 +3564,18 @@
           </p:nvSpPr>
           <p:spPr>
             <a:xfrm>
-              <a:off x="5984165" y="6664929"/>
-              <a:ext cx="520083" cy="0"/>
-            </a:xfrm>
-            <a:custGeom>
-              <a:avLst/>
-              <a:pathLst>
-                <a:path w="520083" h="0">
-                  <a:moveTo>
-                    <a:pt x="0" y="0"/>
-                  </a:moveTo>
-                  <a:lnTo>
-                    <a:pt x="520083" y="0"/>
+              <a:off x="5969208" y="6675857"/>
+              <a:ext cx="522026" cy="0"/>
+            </a:xfrm>
+            <a:custGeom>
+              <a:avLst/>
+              <a:pathLst>
+                <a:path w="522026" h="0">
+                  <a:moveTo>
+                    <a:pt x="0" y="0"/>
+                  </a:moveTo>
+                  <a:lnTo>
+                    <a:pt x="522026" y="0"/>
                   </a:lnTo>
                 </a:path>
               </a:pathLst>
@@ -3604,18 +3604,18 @@
           </p:nvSpPr>
           <p:spPr>
             <a:xfrm>
-              <a:off x="7024333" y="3607522"/>
-              <a:ext cx="520083" cy="0"/>
-            </a:xfrm>
-            <a:custGeom>
-              <a:avLst/>
-              <a:pathLst>
-                <a:path w="520083" h="0">
-                  <a:moveTo>
-                    <a:pt x="0" y="0"/>
-                  </a:moveTo>
-                  <a:lnTo>
-                    <a:pt x="520083" y="0"/>
+              <a:off x="7013261" y="3603454"/>
+              <a:ext cx="522026" cy="0"/>
+            </a:xfrm>
+            <a:custGeom>
+              <a:avLst/>
+              <a:pathLst>
+                <a:path w="522026" h="0">
+                  <a:moveTo>
+                    <a:pt x="0" y="0"/>
+                  </a:moveTo>
+                  <a:lnTo>
+                    <a:pt x="522026" y="0"/>
                   </a:lnTo>
                 </a:path>
               </a:pathLst>
@@ -3644,18 +3644,18 @@
           </p:nvSpPr>
           <p:spPr>
             <a:xfrm>
-              <a:off x="7284374" y="3607522"/>
-              <a:ext cx="0" cy="983224"/>
-            </a:xfrm>
-            <a:custGeom>
-              <a:avLst/>
-              <a:pathLst>
-                <a:path w="0" h="983224">
-                  <a:moveTo>
-                    <a:pt x="0" y="0"/>
-                  </a:moveTo>
-                  <a:lnTo>
-                    <a:pt x="0" y="983224"/>
+              <a:off x="7274274" y="3603454"/>
+              <a:ext cx="0" cy="988046"/>
+            </a:xfrm>
+            <a:custGeom>
+              <a:avLst/>
+              <a:pathLst>
+                <a:path w="0" h="988046">
+                  <a:moveTo>
+                    <a:pt x="0" y="0"/>
+                  </a:moveTo>
+                  <a:lnTo>
+                    <a:pt x="0" y="988046"/>
                   </a:lnTo>
                 </a:path>
               </a:pathLst>
@@ -3684,18 +3684,18 @@
           </p:nvSpPr>
           <p:spPr>
             <a:xfrm>
-              <a:off x="7024333" y="4590747"/>
-              <a:ext cx="520083" cy="0"/>
-            </a:xfrm>
-            <a:custGeom>
-              <a:avLst/>
-              <a:pathLst>
-                <a:path w="520083" h="0">
-                  <a:moveTo>
-                    <a:pt x="0" y="0"/>
-                  </a:moveTo>
-                  <a:lnTo>
-                    <a:pt x="520083" y="0"/>
+              <a:off x="7013261" y="4591501"/>
+              <a:ext cx="522026" cy="0"/>
+            </a:xfrm>
+            <a:custGeom>
+              <a:avLst/>
+              <a:pathLst>
+                <a:path w="522026" h="0">
+                  <a:moveTo>
+                    <a:pt x="0" y="0"/>
+                  </a:moveTo>
+                  <a:lnTo>
+                    <a:pt x="522026" y="0"/>
                   </a:lnTo>
                 </a:path>
               </a:pathLst>
@@ -3724,18 +3724,18 @@
           </p:nvSpPr>
           <p:spPr>
             <a:xfrm>
-              <a:off x="8064500" y="2605603"/>
-              <a:ext cx="520083" cy="0"/>
-            </a:xfrm>
-            <a:custGeom>
-              <a:avLst/>
-              <a:pathLst>
-                <a:path w="520083" h="0">
-                  <a:moveTo>
-                    <a:pt x="0" y="0"/>
-                  </a:moveTo>
-                  <a:lnTo>
-                    <a:pt x="520083" y="0"/>
+              <a:off x="8057313" y="2596620"/>
+              <a:ext cx="522026" cy="0"/>
+            </a:xfrm>
+            <a:custGeom>
+              <a:avLst/>
+              <a:pathLst>
+                <a:path w="522026" h="0">
+                  <a:moveTo>
+                    <a:pt x="0" y="0"/>
+                  </a:moveTo>
+                  <a:lnTo>
+                    <a:pt x="522026" y="0"/>
                   </a:lnTo>
                 </a:path>
               </a:pathLst>
@@ -3764,18 +3764,18 @@
           </p:nvSpPr>
           <p:spPr>
             <a:xfrm>
-              <a:off x="8324542" y="2605603"/>
-              <a:ext cx="0" cy="3793795"/>
-            </a:xfrm>
-            <a:custGeom>
-              <a:avLst/>
-              <a:pathLst>
-                <a:path w="0" h="3793795">
-                  <a:moveTo>
-                    <a:pt x="0" y="0"/>
-                  </a:moveTo>
-                  <a:lnTo>
-                    <a:pt x="0" y="3793795"/>
+              <a:off x="8318326" y="2596620"/>
+              <a:ext cx="0" cy="3812402"/>
+            </a:xfrm>
+            <a:custGeom>
+              <a:avLst/>
+              <a:pathLst>
+                <a:path w="0" h="3812402">
+                  <a:moveTo>
+                    <a:pt x="0" y="0"/>
+                  </a:moveTo>
+                  <a:lnTo>
+                    <a:pt x="0" y="3812402"/>
                   </a:lnTo>
                 </a:path>
               </a:pathLst>
@@ -3804,18 +3804,18 @@
           </p:nvSpPr>
           <p:spPr>
             <a:xfrm>
-              <a:off x="8064500" y="6399398"/>
-              <a:ext cx="520083" cy="0"/>
-            </a:xfrm>
-            <a:custGeom>
-              <a:avLst/>
-              <a:pathLst>
-                <a:path w="520083" h="0">
-                  <a:moveTo>
-                    <a:pt x="0" y="0"/>
-                  </a:moveTo>
-                  <a:lnTo>
-                    <a:pt x="520083" y="0"/>
+              <a:off x="8057313" y="6409023"/>
+              <a:ext cx="522026" cy="0"/>
+            </a:xfrm>
+            <a:custGeom>
+              <a:avLst/>
+              <a:pathLst>
+                <a:path w="522026" h="0">
+                  <a:moveTo>
+                    <a:pt x="0" y="0"/>
+                  </a:moveTo>
+                  <a:lnTo>
+                    <a:pt x="522026" y="0"/>
                   </a:lnTo>
                 </a:path>
               </a:pathLst>
@@ -3844,18 +3844,18 @@
           </p:nvSpPr>
           <p:spPr>
             <a:xfrm>
-              <a:off x="9104668" y="1658184"/>
-              <a:ext cx="520083" cy="0"/>
-            </a:xfrm>
-            <a:custGeom>
-              <a:avLst/>
-              <a:pathLst>
-                <a:path w="520083" h="0">
-                  <a:moveTo>
-                    <a:pt x="0" y="0"/>
-                  </a:moveTo>
-                  <a:lnTo>
-                    <a:pt x="520083" y="0"/>
+              <a:off x="9101366" y="1644555"/>
+              <a:ext cx="522026" cy="0"/>
+            </a:xfrm>
+            <a:custGeom>
+              <a:avLst/>
+              <a:pathLst>
+                <a:path w="522026" h="0">
+                  <a:moveTo>
+                    <a:pt x="0" y="0"/>
+                  </a:moveTo>
+                  <a:lnTo>
+                    <a:pt x="522026" y="0"/>
                   </a:lnTo>
                 </a:path>
               </a:pathLst>
@@ -3884,18 +3884,18 @@
           </p:nvSpPr>
           <p:spPr>
             <a:xfrm>
-              <a:off x="9364710" y="1658184"/>
-              <a:ext cx="0" cy="613762"/>
-            </a:xfrm>
-            <a:custGeom>
-              <a:avLst/>
-              <a:pathLst>
-                <a:path w="0" h="613762">
-                  <a:moveTo>
-                    <a:pt x="0" y="0"/>
-                  </a:moveTo>
-                  <a:lnTo>
-                    <a:pt x="0" y="613762"/>
+              <a:off x="9362379" y="1644555"/>
+              <a:ext cx="0" cy="616773"/>
+            </a:xfrm>
+            <a:custGeom>
+              <a:avLst/>
+              <a:pathLst>
+                <a:path w="0" h="616773">
+                  <a:moveTo>
+                    <a:pt x="0" y="0"/>
+                  </a:moveTo>
+                  <a:lnTo>
+                    <a:pt x="0" y="616773"/>
                   </a:lnTo>
                 </a:path>
               </a:pathLst>
@@ -3924,18 +3924,18 @@
           </p:nvSpPr>
           <p:spPr>
             <a:xfrm>
-              <a:off x="9104668" y="2271946"/>
-              <a:ext cx="520083" cy="0"/>
-            </a:xfrm>
-            <a:custGeom>
-              <a:avLst/>
-              <a:pathLst>
-                <a:path w="520083" h="0">
-                  <a:moveTo>
-                    <a:pt x="0" y="0"/>
-                  </a:moveTo>
-                  <a:lnTo>
-                    <a:pt x="520083" y="0"/>
+              <a:off x="9101366" y="2261328"/>
+              <a:ext cx="522026" cy="0"/>
+            </a:xfrm>
+            <a:custGeom>
+              <a:avLst/>
+              <a:pathLst>
+                <a:path w="522026" h="0">
+                  <a:moveTo>
+                    <a:pt x="0" y="0"/>
+                  </a:moveTo>
+                  <a:lnTo>
+                    <a:pt x="522026" y="0"/>
                   </a:lnTo>
                 </a:path>
               </a:pathLst>
@@ -3964,15 +3964,15 @@
           </p:nvSpPr>
           <p:spPr>
             <a:xfrm>
-              <a:off x="2083536" y="5734303"/>
-              <a:ext cx="0" cy="191464"/>
-            </a:xfrm>
-            <a:custGeom>
-              <a:avLst/>
-              <a:pathLst>
-                <a:path w="0" h="191464">
-                  <a:moveTo>
-                    <a:pt x="0" y="191464"/>
+              <a:off x="2054011" y="5740667"/>
+              <a:ext cx="0" cy="192403"/>
+            </a:xfrm>
+            <a:custGeom>
+              <a:avLst/>
+              <a:pathLst>
+                <a:path w="0" h="192403">
+                  <a:moveTo>
+                    <a:pt x="0" y="192403"/>
                   </a:moveTo>
                   <a:lnTo>
                     <a:pt x="0" y="0"/>
@@ -4004,18 +4004,18 @@
           </p:nvSpPr>
           <p:spPr>
             <a:xfrm>
-              <a:off x="2083536" y="6213875"/>
-              <a:ext cx="0" cy="75254"/>
-            </a:xfrm>
-            <a:custGeom>
-              <a:avLst/>
-              <a:pathLst>
-                <a:path w="0" h="75254">
-                  <a:moveTo>
-                    <a:pt x="0" y="0"/>
-                  </a:moveTo>
-                  <a:lnTo>
-                    <a:pt x="0" y="75254"/>
+              <a:off x="2054011" y="6222590"/>
+              <a:ext cx="0" cy="75623"/>
+            </a:xfrm>
+            <a:custGeom>
+              <a:avLst/>
+              <a:pathLst>
+                <a:path w="0" h="75623">
+                  <a:moveTo>
+                    <a:pt x="0" y="0"/>
+                  </a:moveTo>
+                  <a:lnTo>
+                    <a:pt x="0" y="75623"/>
                   </a:lnTo>
                 </a:path>
               </a:pathLst>
@@ -4044,24 +4044,24 @@
           </p:nvSpPr>
           <p:spPr>
             <a:xfrm>
-              <a:off x="1693473" y="5925768"/>
-              <a:ext cx="780125" cy="288107"/>
-            </a:xfrm>
-            <a:custGeom>
-              <a:avLst/>
-              <a:pathLst>
-                <a:path w="780125" h="288107">
-                  <a:moveTo>
-                    <a:pt x="0" y="0"/>
-                  </a:moveTo>
-                  <a:lnTo>
-                    <a:pt x="0" y="288107"/>
-                  </a:lnTo>
-                  <a:lnTo>
-                    <a:pt x="780125" y="288107"/>
-                  </a:lnTo>
-                  <a:lnTo>
-                    <a:pt x="780125" y="0"/>
+              <a:off x="1662492" y="5933070"/>
+              <a:ext cx="783039" cy="289520"/>
+            </a:xfrm>
+            <a:custGeom>
+              <a:avLst/>
+              <a:pathLst>
+                <a:path w="783039" h="289520">
+                  <a:moveTo>
+                    <a:pt x="0" y="0"/>
+                  </a:moveTo>
+                  <a:lnTo>
+                    <a:pt x="0" y="289520"/>
+                  </a:lnTo>
+                  <a:lnTo>
+                    <a:pt x="783039" y="289520"/>
+                  </a:lnTo>
+                  <a:lnTo>
+                    <a:pt x="783039" y="0"/>
                   </a:lnTo>
                   <a:close/>
                 </a:path>
@@ -4096,18 +4096,18 @@
           </p:nvSpPr>
           <p:spPr>
             <a:xfrm>
-              <a:off x="1693473" y="5972267"/>
-              <a:ext cx="780125" cy="0"/>
-            </a:xfrm>
-            <a:custGeom>
-              <a:avLst/>
-              <a:pathLst>
-                <a:path w="780125" h="0">
-                  <a:moveTo>
-                    <a:pt x="0" y="0"/>
-                  </a:moveTo>
-                  <a:lnTo>
-                    <a:pt x="780125" y="0"/>
+              <a:off x="1662492" y="5979798"/>
+              <a:ext cx="783039" cy="0"/>
+            </a:xfrm>
+            <a:custGeom>
+              <a:avLst/>
+              <a:pathLst>
+                <a:path w="783039" h="0">
+                  <a:moveTo>
+                    <a:pt x="0" y="0"/>
+                  </a:moveTo>
+                  <a:lnTo>
+                    <a:pt x="783039" y="0"/>
                   </a:lnTo>
                 </a:path>
               </a:pathLst>
@@ -4136,15 +4136,15 @@
           </p:nvSpPr>
           <p:spPr>
             <a:xfrm>
-              <a:off x="3123704" y="2756746"/>
-              <a:ext cx="0" cy="296266"/>
-            </a:xfrm>
-            <a:custGeom>
-              <a:avLst/>
-              <a:pathLst>
-                <a:path w="0" h="296266">
-                  <a:moveTo>
-                    <a:pt x="0" y="296266"/>
+              <a:off x="3098064" y="2748505"/>
+              <a:ext cx="0" cy="297719"/>
+            </a:xfrm>
+            <a:custGeom>
+              <a:avLst/>
+              <a:pathLst>
+                <a:path w="0" h="297719">
+                  <a:moveTo>
+                    <a:pt x="0" y="297719"/>
                   </a:moveTo>
                   <a:lnTo>
                     <a:pt x="0" y="0"/>
@@ -4176,18 +4176,18 @@
           </p:nvSpPr>
           <p:spPr>
             <a:xfrm>
-              <a:off x="3123704" y="3573301"/>
-              <a:ext cx="0" cy="633725"/>
-            </a:xfrm>
-            <a:custGeom>
-              <a:avLst/>
-              <a:pathLst>
-                <a:path w="0" h="633725">
-                  <a:moveTo>
-                    <a:pt x="0" y="0"/>
-                  </a:moveTo>
-                  <a:lnTo>
-                    <a:pt x="0" y="633725"/>
+              <a:off x="3098064" y="3569065"/>
+              <a:ext cx="0" cy="636833"/>
+            </a:xfrm>
+            <a:custGeom>
+              <a:avLst/>
+              <a:pathLst>
+                <a:path w="0" h="636833">
+                  <a:moveTo>
+                    <a:pt x="0" y="0"/>
+                  </a:moveTo>
+                  <a:lnTo>
+                    <a:pt x="0" y="636833"/>
                   </a:lnTo>
                 </a:path>
               </a:pathLst>
@@ -4216,24 +4216,24 @@
           </p:nvSpPr>
           <p:spPr>
             <a:xfrm>
-              <a:off x="2733641" y="3053013"/>
-              <a:ext cx="780125" cy="520288"/>
-            </a:xfrm>
-            <a:custGeom>
-              <a:avLst/>
-              <a:pathLst>
-                <a:path w="780125" h="520288">
-                  <a:moveTo>
-                    <a:pt x="0" y="0"/>
-                  </a:moveTo>
-                  <a:lnTo>
-                    <a:pt x="0" y="520288"/>
-                  </a:lnTo>
-                  <a:lnTo>
-                    <a:pt x="780125" y="520288"/>
-                  </a:lnTo>
-                  <a:lnTo>
-                    <a:pt x="780125" y="0"/>
+              <a:off x="2706544" y="3046225"/>
+              <a:ext cx="783039" cy="522840"/>
+            </a:xfrm>
+            <a:custGeom>
+              <a:avLst/>
+              <a:pathLst>
+                <a:path w="783039" h="522840">
+                  <a:moveTo>
+                    <a:pt x="0" y="0"/>
+                  </a:moveTo>
+                  <a:lnTo>
+                    <a:pt x="0" y="522840"/>
+                  </a:lnTo>
+                  <a:lnTo>
+                    <a:pt x="783039" y="522840"/>
+                  </a:lnTo>
+                  <a:lnTo>
+                    <a:pt x="783039" y="0"/>
                   </a:lnTo>
                   <a:close/>
                 </a:path>
@@ -4268,18 +4268,18 @@
           </p:nvSpPr>
           <p:spPr>
             <a:xfrm>
-              <a:off x="2733641" y="3169618"/>
-              <a:ext cx="780125" cy="0"/>
-            </a:xfrm>
-            <a:custGeom>
-              <a:avLst/>
-              <a:pathLst>
-                <a:path w="780125" h="0">
-                  <a:moveTo>
-                    <a:pt x="0" y="0"/>
-                  </a:moveTo>
-                  <a:lnTo>
-                    <a:pt x="780125" y="0"/>
+              <a:off x="2706544" y="3163402"/>
+              <a:ext cx="783039" cy="0"/>
+            </a:xfrm>
+            <a:custGeom>
+              <a:avLst/>
+              <a:pathLst>
+                <a:path w="783039" h="0">
+                  <a:moveTo>
+                    <a:pt x="0" y="0"/>
+                  </a:moveTo>
+                  <a:lnTo>
+                    <a:pt x="783039" y="0"/>
                   </a:lnTo>
                 </a:path>
               </a:pathLst>
@@ -4308,15 +4308,15 @@
           </p:nvSpPr>
           <p:spPr>
             <a:xfrm>
-              <a:off x="4163871" y="3804611"/>
-              <a:ext cx="0" cy="391800"/>
-            </a:xfrm>
-            <a:custGeom>
-              <a:avLst/>
-              <a:pathLst>
-                <a:path w="0" h="391800">
-                  <a:moveTo>
-                    <a:pt x="0" y="391800"/>
+              <a:off x="4142116" y="3801509"/>
+              <a:ext cx="0" cy="393722"/>
+            </a:xfrm>
+            <a:custGeom>
+              <a:avLst/>
+              <a:pathLst>
+                <a:path w="0" h="393722">
+                  <a:moveTo>
+                    <a:pt x="0" y="393722"/>
                   </a:moveTo>
                   <a:lnTo>
                     <a:pt x="0" y="0"/>
@@ -4348,18 +4348,18 @@
           </p:nvSpPr>
           <p:spPr>
             <a:xfrm>
-              <a:off x="4163871" y="4733335"/>
-              <a:ext cx="0" cy="638161"/>
-            </a:xfrm>
-            <a:custGeom>
-              <a:avLst/>
-              <a:pathLst>
-                <a:path w="0" h="638161">
-                  <a:moveTo>
-                    <a:pt x="0" y="0"/>
-                  </a:moveTo>
-                  <a:lnTo>
-                    <a:pt x="0" y="638161"/>
+              <a:off x="4142116" y="4734788"/>
+              <a:ext cx="0" cy="641291"/>
+            </a:xfrm>
+            <a:custGeom>
+              <a:avLst/>
+              <a:pathLst>
+                <a:path w="0" h="641291">
+                  <a:moveTo>
+                    <a:pt x="0" y="0"/>
+                  </a:moveTo>
+                  <a:lnTo>
+                    <a:pt x="0" y="641291"/>
                   </a:lnTo>
                 </a:path>
               </a:pathLst>
@@ -4388,24 +4388,24 @@
           </p:nvSpPr>
           <p:spPr>
             <a:xfrm>
-              <a:off x="3773809" y="4196411"/>
-              <a:ext cx="780125" cy="536923"/>
-            </a:xfrm>
-            <a:custGeom>
-              <a:avLst/>
-              <a:pathLst>
-                <a:path w="780125" h="536923">
-                  <a:moveTo>
-                    <a:pt x="0" y="0"/>
-                  </a:moveTo>
-                  <a:lnTo>
-                    <a:pt x="0" y="536923"/>
-                  </a:lnTo>
-                  <a:lnTo>
-                    <a:pt x="780125" y="536923"/>
-                  </a:lnTo>
-                  <a:lnTo>
-                    <a:pt x="780125" y="0"/>
+              <a:off x="3750597" y="4195231"/>
+              <a:ext cx="783039" cy="539557"/>
+            </a:xfrm>
+            <a:custGeom>
+              <a:avLst/>
+              <a:pathLst>
+                <a:path w="783039" h="539557">
+                  <a:moveTo>
+                    <a:pt x="0" y="0"/>
+                  </a:moveTo>
+                  <a:lnTo>
+                    <a:pt x="0" y="539557"/>
+                  </a:lnTo>
+                  <a:lnTo>
+                    <a:pt x="783039" y="539557"/>
+                  </a:lnTo>
+                  <a:lnTo>
+                    <a:pt x="783039" y="0"/>
                   </a:lnTo>
                   <a:close/>
                 </a:path>
@@ -4440,18 +4440,18 @@
           </p:nvSpPr>
           <p:spPr>
             <a:xfrm>
-              <a:off x="3773809" y="4516284"/>
-              <a:ext cx="780125" cy="0"/>
-            </a:xfrm>
-            <a:custGeom>
-              <a:avLst/>
-              <a:pathLst>
-                <a:path w="780125" h="0">
-                  <a:moveTo>
-                    <a:pt x="0" y="0"/>
-                  </a:moveTo>
-                  <a:lnTo>
-                    <a:pt x="780125" y="0"/>
+              <a:off x="3750597" y="4516673"/>
+              <a:ext cx="783039" cy="0"/>
+            </a:xfrm>
+            <a:custGeom>
+              <a:avLst/>
+              <a:pathLst>
+                <a:path w="783039" h="0">
+                  <a:moveTo>
+                    <a:pt x="0" y="0"/>
+                  </a:moveTo>
+                  <a:lnTo>
+                    <a:pt x="783039" y="0"/>
                   </a:lnTo>
                 </a:path>
               </a:pathLst>
@@ -4480,15 +4480,15 @@
           </p:nvSpPr>
           <p:spPr>
             <a:xfrm>
-              <a:off x="5204039" y="3487748"/>
-              <a:ext cx="0" cy="1402829"/>
-            </a:xfrm>
-            <a:custGeom>
-              <a:avLst/>
-              <a:pathLst>
-                <a:path w="0" h="1402829">
-                  <a:moveTo>
-                    <a:pt x="0" y="1402829"/>
+              <a:off x="5186169" y="3483093"/>
+              <a:ext cx="0" cy="1409710"/>
+            </a:xfrm>
+            <a:custGeom>
+              <a:avLst/>
+              <a:pathLst>
+                <a:path w="0" h="1409710">
+                  <a:moveTo>
+                    <a:pt x="0" y="1409710"/>
                   </a:moveTo>
                   <a:lnTo>
                     <a:pt x="0" y="0"/>
@@ -4520,18 +4520,18 @@
           </p:nvSpPr>
           <p:spPr>
             <a:xfrm>
-              <a:off x="5204039" y="6015044"/>
-              <a:ext cx="0" cy="391008"/>
-            </a:xfrm>
-            <a:custGeom>
-              <a:avLst/>
-              <a:pathLst>
-                <a:path w="0" h="391008">
-                  <a:moveTo>
-                    <a:pt x="0" y="0"/>
-                  </a:moveTo>
-                  <a:lnTo>
-                    <a:pt x="0" y="391008"/>
+              <a:off x="5186169" y="6022784"/>
+              <a:ext cx="0" cy="392926"/>
+            </a:xfrm>
+            <a:custGeom>
+              <a:avLst/>
+              <a:pathLst>
+                <a:path w="0" h="392926">
+                  <a:moveTo>
+                    <a:pt x="0" y="0"/>
+                  </a:moveTo>
+                  <a:lnTo>
+                    <a:pt x="0" y="392926"/>
                   </a:lnTo>
                 </a:path>
               </a:pathLst>
@@ -4560,24 +4560,24 @@
           </p:nvSpPr>
           <p:spPr>
             <a:xfrm>
-              <a:off x="4813976" y="4890578"/>
-              <a:ext cx="780125" cy="1124465"/>
-            </a:xfrm>
-            <a:custGeom>
-              <a:avLst/>
-              <a:pathLst>
-                <a:path w="780125" h="1124465">
-                  <a:moveTo>
-                    <a:pt x="0" y="0"/>
-                  </a:moveTo>
-                  <a:lnTo>
-                    <a:pt x="0" y="1124465"/>
-                  </a:lnTo>
-                  <a:lnTo>
-                    <a:pt x="780125" y="1124465"/>
-                  </a:lnTo>
-                  <a:lnTo>
-                    <a:pt x="780125" y="0"/>
+              <a:off x="4794649" y="4892803"/>
+              <a:ext cx="783039" cy="1129981"/>
+            </a:xfrm>
+            <a:custGeom>
+              <a:avLst/>
+              <a:pathLst>
+                <a:path w="783039" h="1129981">
+                  <a:moveTo>
+                    <a:pt x="0" y="0"/>
+                  </a:moveTo>
+                  <a:lnTo>
+                    <a:pt x="0" y="1129981"/>
+                  </a:lnTo>
+                  <a:lnTo>
+                    <a:pt x="783039" y="1129981"/>
+                  </a:lnTo>
+                  <a:lnTo>
+                    <a:pt x="783039" y="0"/>
                   </a:lnTo>
                   <a:close/>
                 </a:path>
@@ -4612,18 +4612,18 @@
           </p:nvSpPr>
           <p:spPr>
             <a:xfrm>
-              <a:off x="4813976" y="5419817"/>
-              <a:ext cx="780125" cy="0"/>
-            </a:xfrm>
-            <a:custGeom>
-              <a:avLst/>
-              <a:pathLst>
-                <a:path w="780125" h="0">
-                  <a:moveTo>
-                    <a:pt x="0" y="0"/>
-                  </a:moveTo>
-                  <a:lnTo>
-                    <a:pt x="780125" y="0"/>
+              <a:off x="4794649" y="5424638"/>
+              <a:ext cx="783039" cy="0"/>
+            </a:xfrm>
+            <a:custGeom>
+              <a:avLst/>
+              <a:pathLst>
+                <a:path w="783039" h="0">
+                  <a:moveTo>
+                    <a:pt x="0" y="0"/>
+                  </a:moveTo>
+                  <a:lnTo>
+                    <a:pt x="783039" y="0"/>
                   </a:lnTo>
                 </a:path>
               </a:pathLst>
@@ -4652,15 +4652,15 @@
           </p:nvSpPr>
           <p:spPr>
             <a:xfrm>
-              <a:off x="6244207" y="3333119"/>
-              <a:ext cx="0" cy="1756448"/>
-            </a:xfrm>
-            <a:custGeom>
-              <a:avLst/>
-              <a:pathLst>
-                <a:path w="0" h="1756448">
-                  <a:moveTo>
-                    <a:pt x="0" y="1756448"/>
+              <a:off x="6230221" y="3327705"/>
+              <a:ext cx="0" cy="1765063"/>
+            </a:xfrm>
+            <a:custGeom>
+              <a:avLst/>
+              <a:pathLst>
+                <a:path w="0" h="1765063">
+                  <a:moveTo>
+                    <a:pt x="0" y="1765063"/>
                   </a:moveTo>
                   <a:lnTo>
                     <a:pt x="0" y="0"/>
@@ -4692,18 +4692,18 @@
           </p:nvSpPr>
           <p:spPr>
             <a:xfrm>
-              <a:off x="6244207" y="6361691"/>
-              <a:ext cx="0" cy="303237"/>
-            </a:xfrm>
-            <a:custGeom>
-              <a:avLst/>
-              <a:pathLst>
-                <a:path w="0" h="303237">
-                  <a:moveTo>
-                    <a:pt x="0" y="0"/>
-                  </a:moveTo>
-                  <a:lnTo>
-                    <a:pt x="0" y="303237"/>
+              <a:off x="6230221" y="6371132"/>
+              <a:ext cx="0" cy="304724"/>
+            </a:xfrm>
+            <a:custGeom>
+              <a:avLst/>
+              <a:pathLst>
+                <a:path w="0" h="304724">
+                  <a:moveTo>
+                    <a:pt x="0" y="0"/>
+                  </a:moveTo>
+                  <a:lnTo>
+                    <a:pt x="0" y="304724"/>
                   </a:lnTo>
                 </a:path>
               </a:pathLst>
@@ -4732,24 +4732,24 @@
           </p:nvSpPr>
           <p:spPr>
             <a:xfrm>
-              <a:off x="5854144" y="5089567"/>
-              <a:ext cx="780125" cy="1272123"/>
-            </a:xfrm>
-            <a:custGeom>
-              <a:avLst/>
-              <a:pathLst>
-                <a:path w="780125" h="1272123">
-                  <a:moveTo>
-                    <a:pt x="0" y="0"/>
-                  </a:moveTo>
-                  <a:lnTo>
-                    <a:pt x="0" y="1272123"/>
-                  </a:lnTo>
-                  <a:lnTo>
-                    <a:pt x="780125" y="1272123"/>
-                  </a:lnTo>
-                  <a:lnTo>
-                    <a:pt x="780125" y="0"/>
+              <a:off x="5838702" y="5092768"/>
+              <a:ext cx="783039" cy="1278363"/>
+            </a:xfrm>
+            <a:custGeom>
+              <a:avLst/>
+              <a:pathLst>
+                <a:path w="783039" h="1278363">
+                  <a:moveTo>
+                    <a:pt x="0" y="0"/>
+                  </a:moveTo>
+                  <a:lnTo>
+                    <a:pt x="0" y="1278363"/>
+                  </a:lnTo>
+                  <a:lnTo>
+                    <a:pt x="783039" y="1278363"/>
+                  </a:lnTo>
+                  <a:lnTo>
+                    <a:pt x="783039" y="0"/>
                   </a:lnTo>
                   <a:close/>
                 </a:path>
@@ -4784,18 +4784,18 @@
           </p:nvSpPr>
           <p:spPr>
             <a:xfrm>
-              <a:off x="5854144" y="5967831"/>
-              <a:ext cx="780125" cy="0"/>
-            </a:xfrm>
-            <a:custGeom>
-              <a:avLst/>
-              <a:pathLst>
-                <a:path w="780125" h="0">
-                  <a:moveTo>
-                    <a:pt x="0" y="0"/>
-                  </a:moveTo>
-                  <a:lnTo>
-                    <a:pt x="780125" y="0"/>
+              <a:off x="5838702" y="5975340"/>
+              <a:ext cx="783039" cy="0"/>
+            </a:xfrm>
+            <a:custGeom>
+              <a:avLst/>
+              <a:pathLst>
+                <a:path w="783039" h="0">
+                  <a:moveTo>
+                    <a:pt x="0" y="0"/>
+                  </a:moveTo>
+                  <a:lnTo>
+                    <a:pt x="783039" y="0"/>
                   </a:lnTo>
                 </a:path>
               </a:pathLst>
@@ -4824,15 +4824,15 @@
           </p:nvSpPr>
           <p:spPr>
             <a:xfrm>
-              <a:off x="7284374" y="3607522"/>
-              <a:ext cx="0" cy="171977"/>
-            </a:xfrm>
-            <a:custGeom>
-              <a:avLst/>
-              <a:pathLst>
-                <a:path w="0" h="171977">
-                  <a:moveTo>
-                    <a:pt x="0" y="171977"/>
+              <a:off x="7274274" y="3603454"/>
+              <a:ext cx="0" cy="172820"/>
+            </a:xfrm>
+            <a:custGeom>
+              <a:avLst/>
+              <a:pathLst>
+                <a:path w="0" h="172820">
+                  <a:moveTo>
+                    <a:pt x="0" y="172820"/>
                   </a:moveTo>
                   <a:lnTo>
                     <a:pt x="0" y="0"/>
@@ -4864,18 +4864,18 @@
           </p:nvSpPr>
           <p:spPr>
             <a:xfrm>
-              <a:off x="7284374" y="4333850"/>
-              <a:ext cx="0" cy="256896"/>
-            </a:xfrm>
-            <a:custGeom>
-              <a:avLst/>
-              <a:pathLst>
-                <a:path w="0" h="256896">
-                  <a:moveTo>
-                    <a:pt x="0" y="0"/>
-                  </a:moveTo>
-                  <a:lnTo>
-                    <a:pt x="0" y="256896"/>
+              <a:off x="7274274" y="4333345"/>
+              <a:ext cx="0" cy="258156"/>
+            </a:xfrm>
+            <a:custGeom>
+              <a:avLst/>
+              <a:pathLst>
+                <a:path w="0" h="258156">
+                  <a:moveTo>
+                    <a:pt x="0" y="0"/>
+                  </a:moveTo>
+                  <a:lnTo>
+                    <a:pt x="0" y="258156"/>
                   </a:lnTo>
                 </a:path>
               </a:pathLst>
@@ -4904,24 +4904,24 @@
           </p:nvSpPr>
           <p:spPr>
             <a:xfrm>
-              <a:off x="6894312" y="3779499"/>
-              <a:ext cx="780125" cy="554351"/>
-            </a:xfrm>
-            <a:custGeom>
-              <a:avLst/>
-              <a:pathLst>
-                <a:path w="780125" h="554351">
-                  <a:moveTo>
-                    <a:pt x="0" y="0"/>
-                  </a:moveTo>
-                  <a:lnTo>
-                    <a:pt x="0" y="554351"/>
-                  </a:lnTo>
-                  <a:lnTo>
-                    <a:pt x="780125" y="554351"/>
-                  </a:lnTo>
-                  <a:lnTo>
-                    <a:pt x="780125" y="0"/>
+              <a:off x="6882754" y="3776275"/>
+              <a:ext cx="783039" cy="557069"/>
+            </a:xfrm>
+            <a:custGeom>
+              <a:avLst/>
+              <a:pathLst>
+                <a:path w="783039" h="557069">
+                  <a:moveTo>
+                    <a:pt x="0" y="0"/>
+                  </a:moveTo>
+                  <a:lnTo>
+                    <a:pt x="0" y="557069"/>
+                  </a:lnTo>
+                  <a:lnTo>
+                    <a:pt x="783039" y="557069"/>
+                  </a:lnTo>
+                  <a:lnTo>
+                    <a:pt x="783039" y="0"/>
                   </a:lnTo>
                   <a:close/>
                 </a:path>
@@ -4956,18 +4956,18 @@
           </p:nvSpPr>
           <p:spPr>
             <a:xfrm>
-              <a:off x="6894312" y="4069349"/>
-              <a:ext cx="780125" cy="0"/>
-            </a:xfrm>
-            <a:custGeom>
-              <a:avLst/>
-              <a:pathLst>
-                <a:path w="780125" h="0">
-                  <a:moveTo>
-                    <a:pt x="0" y="0"/>
-                  </a:moveTo>
-                  <a:lnTo>
-                    <a:pt x="780125" y="0"/>
+              <a:off x="6882754" y="4067546"/>
+              <a:ext cx="783039" cy="0"/>
+            </a:xfrm>
+            <a:custGeom>
+              <a:avLst/>
+              <a:pathLst>
+                <a:path w="783039" h="0">
+                  <a:moveTo>
+                    <a:pt x="0" y="0"/>
+                  </a:moveTo>
+                  <a:lnTo>
+                    <a:pt x="783039" y="0"/>
                   </a:lnTo>
                 </a:path>
               </a:pathLst>
@@ -4996,15 +4996,15 @@
           </p:nvSpPr>
           <p:spPr>
             <a:xfrm>
-              <a:off x="8324542" y="2605603"/>
-              <a:ext cx="0" cy="283908"/>
-            </a:xfrm>
-            <a:custGeom>
-              <a:avLst/>
-              <a:pathLst>
-                <a:path w="0" h="283908">
-                  <a:moveTo>
-                    <a:pt x="0" y="283908"/>
+              <a:off x="8318326" y="2596620"/>
+              <a:ext cx="0" cy="285301"/>
+            </a:xfrm>
+            <a:custGeom>
+              <a:avLst/>
+              <a:pathLst>
+                <a:path w="0" h="285301">
+                  <a:moveTo>
+                    <a:pt x="0" y="285301"/>
                   </a:moveTo>
                   <a:lnTo>
                     <a:pt x="0" y="0"/>
@@ -5036,18 +5036,18 @@
           </p:nvSpPr>
           <p:spPr>
             <a:xfrm>
-              <a:off x="8324542" y="4615699"/>
-              <a:ext cx="0" cy="1783698"/>
-            </a:xfrm>
-            <a:custGeom>
-              <a:avLst/>
-              <a:pathLst>
-                <a:path w="0" h="1783698">
-                  <a:moveTo>
-                    <a:pt x="0" y="0"/>
-                  </a:moveTo>
-                  <a:lnTo>
-                    <a:pt x="0" y="1783698"/>
+              <a:off x="8318326" y="4616576"/>
+              <a:ext cx="0" cy="1792447"/>
+            </a:xfrm>
+            <a:custGeom>
+              <a:avLst/>
+              <a:pathLst>
+                <a:path w="0" h="1792447">
+                  <a:moveTo>
+                    <a:pt x="0" y="0"/>
+                  </a:moveTo>
+                  <a:lnTo>
+                    <a:pt x="0" y="1792447"/>
                   </a:lnTo>
                 </a:path>
               </a:pathLst>
@@ -5076,24 +5076,24 @@
           </p:nvSpPr>
           <p:spPr>
             <a:xfrm>
-              <a:off x="7934479" y="2889511"/>
-              <a:ext cx="780125" cy="1726187"/>
-            </a:xfrm>
-            <a:custGeom>
-              <a:avLst/>
-              <a:pathLst>
-                <a:path w="780125" h="1726187">
-                  <a:moveTo>
-                    <a:pt x="0" y="0"/>
-                  </a:moveTo>
-                  <a:lnTo>
-                    <a:pt x="0" y="1726187"/>
-                  </a:lnTo>
-                  <a:lnTo>
-                    <a:pt x="780125" y="1726187"/>
-                  </a:lnTo>
-                  <a:lnTo>
-                    <a:pt x="780125" y="0"/>
+              <a:off x="7926807" y="2881922"/>
+              <a:ext cx="783039" cy="1734654"/>
+            </a:xfrm>
+            <a:custGeom>
+              <a:avLst/>
+              <a:pathLst>
+                <a:path w="783039" h="1734654">
+                  <a:moveTo>
+                    <a:pt x="0" y="0"/>
+                  </a:moveTo>
+                  <a:lnTo>
+                    <a:pt x="0" y="1734654"/>
+                  </a:lnTo>
+                  <a:lnTo>
+                    <a:pt x="783039" y="1734654"/>
+                  </a:lnTo>
+                  <a:lnTo>
+                    <a:pt x="783039" y="0"/>
                   </a:lnTo>
                   <a:close/>
                 </a:path>
@@ -5128,18 +5128,18 @@
           </p:nvSpPr>
           <p:spPr>
             <a:xfrm>
-              <a:off x="7934479" y="3501531"/>
-              <a:ext cx="780125" cy="0"/>
-            </a:xfrm>
-            <a:custGeom>
-              <a:avLst/>
-              <a:pathLst>
-                <a:path w="780125" h="0">
-                  <a:moveTo>
-                    <a:pt x="0" y="0"/>
-                  </a:moveTo>
-                  <a:lnTo>
-                    <a:pt x="780125" y="0"/>
+              <a:off x="7926807" y="3496944"/>
+              <a:ext cx="783039" cy="0"/>
+            </a:xfrm>
+            <a:custGeom>
+              <a:avLst/>
+              <a:pathLst>
+                <a:path w="783039" h="0">
+                  <a:moveTo>
+                    <a:pt x="0" y="0"/>
+                  </a:moveTo>
+                  <a:lnTo>
+                    <a:pt x="783039" y="0"/>
                   </a:lnTo>
                 </a:path>
               </a:pathLst>
@@ -5168,15 +5168,15 @@
           </p:nvSpPr>
           <p:spPr>
             <a:xfrm>
-              <a:off x="9364710" y="1658184"/>
-              <a:ext cx="0" cy="107020"/>
-            </a:xfrm>
-            <a:custGeom>
-              <a:avLst/>
-              <a:pathLst>
-                <a:path w="0" h="107020">
-                  <a:moveTo>
-                    <a:pt x="0" y="107020"/>
+              <a:off x="9362379" y="1644555"/>
+              <a:ext cx="0" cy="107545"/>
+            </a:xfrm>
+            <a:custGeom>
+              <a:avLst/>
+              <a:pathLst>
+                <a:path w="0" h="107545">
+                  <a:moveTo>
+                    <a:pt x="0" y="107545"/>
                   </a:moveTo>
                   <a:lnTo>
                     <a:pt x="0" y="0"/>
@@ -5208,18 +5208,18 @@
           </p:nvSpPr>
           <p:spPr>
             <a:xfrm>
-              <a:off x="9364710" y="1969897"/>
-              <a:ext cx="0" cy="302049"/>
-            </a:xfrm>
-            <a:custGeom>
-              <a:avLst/>
-              <a:pathLst>
-                <a:path w="0" h="302049">
-                  <a:moveTo>
-                    <a:pt x="0" y="0"/>
-                  </a:moveTo>
-                  <a:lnTo>
-                    <a:pt x="0" y="302049"/>
+              <a:off x="9362379" y="1957797"/>
+              <a:ext cx="0" cy="303530"/>
+            </a:xfrm>
+            <a:custGeom>
+              <a:avLst/>
+              <a:pathLst>
+                <a:path w="0" h="303530">
+                  <a:moveTo>
+                    <a:pt x="0" y="0"/>
+                  </a:moveTo>
+                  <a:lnTo>
+                    <a:pt x="0" y="303530"/>
                   </a:lnTo>
                 </a:path>
               </a:pathLst>
@@ -5248,24 +5248,24 @@
           </p:nvSpPr>
           <p:spPr>
             <a:xfrm>
-              <a:off x="8974647" y="1765204"/>
-              <a:ext cx="780125" cy="204693"/>
-            </a:xfrm>
-            <a:custGeom>
-              <a:avLst/>
-              <a:pathLst>
-                <a:path w="780125" h="204693">
-                  <a:moveTo>
-                    <a:pt x="0" y="0"/>
-                  </a:moveTo>
-                  <a:lnTo>
-                    <a:pt x="0" y="204693"/>
-                  </a:lnTo>
-                  <a:lnTo>
-                    <a:pt x="780125" y="204693"/>
-                  </a:lnTo>
-                  <a:lnTo>
-                    <a:pt x="780125" y="0"/>
+              <a:off x="8970859" y="1752100"/>
+              <a:ext cx="783039" cy="205697"/>
+            </a:xfrm>
+            <a:custGeom>
+              <a:avLst/>
+              <a:pathLst>
+                <a:path w="783039" h="205697">
+                  <a:moveTo>
+                    <a:pt x="0" y="0"/>
+                  </a:moveTo>
+                  <a:lnTo>
+                    <a:pt x="0" y="205697"/>
+                  </a:lnTo>
+                  <a:lnTo>
+                    <a:pt x="783039" y="205697"/>
+                  </a:lnTo>
+                  <a:lnTo>
+                    <a:pt x="783039" y="0"/>
                   </a:lnTo>
                   <a:close/>
                 </a:path>
@@ -5300,18 +5300,18 @@
           </p:nvSpPr>
           <p:spPr>
             <a:xfrm>
-              <a:off x="8974647" y="1844974"/>
-              <a:ext cx="780125" cy="0"/>
-            </a:xfrm>
-            <a:custGeom>
-              <a:avLst/>
-              <a:pathLst>
-                <a:path w="780125" h="0">
-                  <a:moveTo>
-                    <a:pt x="0" y="0"/>
-                  </a:moveTo>
-                  <a:lnTo>
-                    <a:pt x="780125" y="0"/>
+              <a:off x="8970859" y="1832261"/>
+              <a:ext cx="783039" cy="0"/>
+            </a:xfrm>
+            <a:custGeom>
+              <a:avLst/>
+              <a:pathLst>
+                <a:path w="783039" h="0">
+                  <a:moveTo>
+                    <a:pt x="0" y="0"/>
+                  </a:moveTo>
+                  <a:lnTo>
+                    <a:pt x="783039" y="0"/>
                   </a:lnTo>
                 </a:path>
               </a:pathLst>
@@ -5340,8 +5340,8 @@
           </p:nvSpPr>
           <p:spPr>
             <a:xfrm>
-              <a:off x="1459435" y="1407846"/>
-              <a:ext cx="8529375" cy="5507419"/>
+              <a:off x="1427580" y="1392990"/>
+              <a:ext cx="8561230" cy="5534432"/>
             </a:xfrm>
             <a:prstGeom prst="rect">
               <a:avLst/>
@@ -5370,8 +5370,8 @@
           </p:nvSpPr>
           <p:spPr>
             <a:xfrm>
-              <a:off x="1210339" y="5363708"/>
-              <a:ext cx="186466" cy="81691"/>
+              <a:off x="1197310" y="5370314"/>
+              <a:ext cx="167640" cy="76835"/>
             </a:xfrm>
             <a:prstGeom prst="rect">
               <a:avLst/>
@@ -5400,8 +5400,8 @@
                       <a:alpha val="100000"/>
                     </a:srgbClr>
                   </a:solidFill>
-                  <a:latin typeface="Arial"/>
-                  <a:cs typeface="Arial"/>
+                  <a:latin typeface="Times New Roman"/>
+                  <a:cs typeface="Times New Roman"/>
                 </a:rPr>
                 <a:t>500</a:t>
               </a:r>
@@ -5416,8 +5416,8 @@
           </p:nvSpPr>
           <p:spPr>
             <a:xfrm>
-              <a:off x="1148183" y="3779396"/>
-              <a:ext cx="248622" cy="81691"/>
+              <a:off x="1141430" y="3778231"/>
+              <a:ext cx="223520" cy="76835"/>
             </a:xfrm>
             <a:prstGeom prst="rect">
               <a:avLst/>
@@ -5446,8 +5446,8 @@
                       <a:alpha val="100000"/>
                     </a:srgbClr>
                   </a:solidFill>
-                  <a:latin typeface="Arial"/>
-                  <a:cs typeface="Arial"/>
+                  <a:latin typeface="Times New Roman"/>
+                  <a:cs typeface="Times New Roman"/>
                 </a:rPr>
                 <a:t>1000</a:t>
               </a:r>
@@ -5462,8 +5462,8 @@
           </p:nvSpPr>
           <p:spPr>
             <a:xfrm>
-              <a:off x="1148183" y="2195083"/>
-              <a:ext cx="248622" cy="81691"/>
+              <a:off x="1141430" y="2186147"/>
+              <a:ext cx="223520" cy="76835"/>
             </a:xfrm>
             <a:prstGeom prst="rect">
               <a:avLst/>
@@ -5492,8 +5492,8 @@
                       <a:alpha val="100000"/>
                     </a:srgbClr>
                   </a:solidFill>
-                  <a:latin typeface="Arial"/>
-                  <a:cs typeface="Arial"/>
+                  <a:latin typeface="Times New Roman"/>
+                  <a:cs typeface="Times New Roman"/>
                 </a:rPr>
                 <a:t>1500</a:t>
               </a:r>
@@ -5508,7 +5508,7 @@
           </p:nvSpPr>
           <p:spPr>
             <a:xfrm>
-              <a:off x="1424641" y="5405400"/>
+              <a:off x="1392785" y="5410150"/>
               <a:ext cx="34794" cy="0"/>
             </a:xfrm>
             <a:custGeom>
@@ -5548,7 +5548,7 @@
           </p:nvSpPr>
           <p:spPr>
             <a:xfrm>
-              <a:off x="1424641" y="3821087"/>
+              <a:off x="1392785" y="3818067"/>
               <a:ext cx="34794" cy="0"/>
             </a:xfrm>
             <a:custGeom>
@@ -5588,7 +5588,7 @@
           </p:nvSpPr>
           <p:spPr>
             <a:xfrm>
-              <a:off x="1424641" y="2236775"/>
+              <a:off x="1392785" y="2225983"/>
               <a:ext cx="34794" cy="0"/>
             </a:xfrm>
             <a:custGeom>
@@ -5628,7 +5628,7 @@
           </p:nvSpPr>
           <p:spPr>
             <a:xfrm>
-              <a:off x="2083536" y="6915266"/>
+              <a:off x="2054011" y="6927422"/>
               <a:ext cx="0" cy="34794"/>
             </a:xfrm>
             <a:custGeom>
@@ -5668,7 +5668,7 @@
           </p:nvSpPr>
           <p:spPr>
             <a:xfrm>
-              <a:off x="3123704" y="6915266"/>
+              <a:off x="3098064" y="6927422"/>
               <a:ext cx="0" cy="34794"/>
             </a:xfrm>
             <a:custGeom>
@@ -5708,7 +5708,7 @@
           </p:nvSpPr>
           <p:spPr>
             <a:xfrm>
-              <a:off x="4163871" y="6915266"/>
+              <a:off x="4142116" y="6927422"/>
               <a:ext cx="0" cy="34794"/>
             </a:xfrm>
             <a:custGeom>
@@ -5748,7 +5748,7 @@
           </p:nvSpPr>
           <p:spPr>
             <a:xfrm>
-              <a:off x="5204039" y="6915266"/>
+              <a:off x="5186169" y="6927422"/>
               <a:ext cx="0" cy="34794"/>
             </a:xfrm>
             <a:custGeom>
@@ -5788,7 +5788,7 @@
           </p:nvSpPr>
           <p:spPr>
             <a:xfrm>
-              <a:off x="6244207" y="6915266"/>
+              <a:off x="6230221" y="6927422"/>
               <a:ext cx="0" cy="34794"/>
             </a:xfrm>
             <a:custGeom>
@@ -5828,7 +5828,7 @@
           </p:nvSpPr>
           <p:spPr>
             <a:xfrm>
-              <a:off x="7284374" y="6915266"/>
+              <a:off x="7274274" y="6927422"/>
               <a:ext cx="0" cy="34794"/>
             </a:xfrm>
             <a:custGeom>
@@ -5868,7 +5868,7 @@
           </p:nvSpPr>
           <p:spPr>
             <a:xfrm>
-              <a:off x="8324542" y="6915266"/>
+              <a:off x="8318326" y="6927422"/>
               <a:ext cx="0" cy="34794"/>
             </a:xfrm>
             <a:custGeom>
@@ -5908,7 +5908,7 @@
           </p:nvSpPr>
           <p:spPr>
             <a:xfrm>
-              <a:off x="9364710" y="6915266"/>
+              <a:off x="9362379" y="6927422"/>
               <a:ext cx="0" cy="34794"/>
             </a:xfrm>
             <a:custGeom>
@@ -5948,8 +5948,8 @@
           </p:nvSpPr>
           <p:spPr>
             <a:xfrm>
-              <a:off x="1853659" y="6976587"/>
-              <a:ext cx="459754" cy="81309"/>
+              <a:off x="1836794" y="6984922"/>
+              <a:ext cx="434434" cy="79126"/>
             </a:xfrm>
             <a:prstGeom prst="rect">
               <a:avLst/>
@@ -5978,8 +5978,8 @@
                       <a:alpha val="100000"/>
                     </a:srgbClr>
                   </a:solidFill>
-                  <a:latin typeface="Arial"/>
-                  <a:cs typeface="Arial"/>
+                  <a:latin typeface="Times New Roman"/>
+                  <a:cs typeface="Times New Roman"/>
                 </a:rPr>
                 <a:t>Alveolata</a:t>
               </a:r>
@@ -5994,8 +5994,8 @@
           </p:nvSpPr>
           <p:spPr>
             <a:xfrm>
-              <a:off x="2822394" y="6953012"/>
-              <a:ext cx="602619" cy="104884"/>
+              <a:off x="2818691" y="6962330"/>
+              <a:ext cx="558745" cy="101719"/>
             </a:xfrm>
             <a:prstGeom prst="rect">
               <a:avLst/>
@@ -6024,8 +6024,8 @@
                       <a:alpha val="100000"/>
                     </a:srgbClr>
                   </a:solidFill>
-                  <a:latin typeface="Arial"/>
-                  <a:cs typeface="Arial"/>
+                  <a:latin typeface="Times New Roman"/>
+                  <a:cs typeface="Times New Roman"/>
                 </a:rPr>
                 <a:t>Chlorophyta</a:t>
               </a:r>
@@ -6040,8 +6040,8 @@
           </p:nvSpPr>
           <p:spPr>
             <a:xfrm>
-              <a:off x="3961989" y="6976587"/>
-              <a:ext cx="403765" cy="81309"/>
+              <a:off x="3959006" y="6984922"/>
+              <a:ext cx="366221" cy="79126"/>
             </a:xfrm>
             <a:prstGeom prst="rect">
               <a:avLst/>
@@ -6070,8 +6070,8 @@
                       <a:alpha val="100000"/>
                     </a:srgbClr>
                   </a:solidFill>
-                  <a:latin typeface="Arial"/>
-                  <a:cs typeface="Arial"/>
+                  <a:latin typeface="Times New Roman"/>
+                  <a:cs typeface="Times New Roman"/>
                 </a:rPr>
                 <a:t>Discoba</a:t>
               </a:r>
@@ -6086,8 +6086,8 @@
           </p:nvSpPr>
           <p:spPr>
             <a:xfrm>
-              <a:off x="4877872" y="6976587"/>
-              <a:ext cx="652333" cy="81309"/>
+              <a:off x="4894463" y="6984922"/>
+              <a:ext cx="583411" cy="79126"/>
             </a:xfrm>
             <a:prstGeom prst="rect">
               <a:avLst/>
@@ -6116,8 +6116,8 @@
                       <a:alpha val="100000"/>
                     </a:srgbClr>
                   </a:solidFill>
-                  <a:latin typeface="Arial"/>
-                  <a:cs typeface="Arial"/>
+                  <a:latin typeface="Times New Roman"/>
+                  <a:cs typeface="Times New Roman"/>
                 </a:rPr>
                 <a:t>Metamonada</a:t>
               </a:r>
@@ -6132,8 +6132,8 @@
           </p:nvSpPr>
           <p:spPr>
             <a:xfrm>
-              <a:off x="6039241" y="6976587"/>
-              <a:ext cx="409932" cy="81309"/>
+              <a:off x="6040944" y="6985413"/>
+              <a:ext cx="378554" cy="78635"/>
             </a:xfrm>
             <a:prstGeom prst="rect">
               <a:avLst/>
@@ -6162,8 +6162,8 @@
                       <a:alpha val="100000"/>
                     </a:srgbClr>
                   </a:solidFill>
-                  <a:latin typeface="Arial"/>
-                  <a:cs typeface="Arial"/>
+                  <a:latin typeface="Times New Roman"/>
+                  <a:cs typeface="Times New Roman"/>
                 </a:rPr>
                 <a:t>Rhizaria</a:t>
               </a:r>
@@ -6178,8 +6178,8 @@
           </p:nvSpPr>
           <p:spPr>
             <a:xfrm>
-              <a:off x="6983010" y="6954376"/>
-              <a:ext cx="602729" cy="103519"/>
+              <a:off x="7001095" y="6962330"/>
+              <a:ext cx="546357" cy="101719"/>
             </a:xfrm>
             <a:prstGeom prst="rect">
               <a:avLst/>
@@ -6208,8 +6208,8 @@
                       <a:alpha val="100000"/>
                     </a:srgbClr>
                   </a:solidFill>
-                  <a:latin typeface="Arial"/>
-                  <a:cs typeface="Arial"/>
+                  <a:latin typeface="Times New Roman"/>
+                  <a:cs typeface="Times New Roman"/>
                 </a:rPr>
                 <a:t>Rhodophyta</a:t>
               </a:r>
@@ -6224,8 +6224,8 @@
           </p:nvSpPr>
           <p:spPr>
             <a:xfrm>
-              <a:off x="7967352" y="6954322"/>
-              <a:ext cx="714379" cy="103574"/>
+              <a:off x="7998626" y="6962548"/>
+              <a:ext cx="639400" cy="101500"/>
             </a:xfrm>
             <a:prstGeom prst="rect">
               <a:avLst/>
@@ -6254,8 +6254,8 @@
                       <a:alpha val="100000"/>
                     </a:srgbClr>
                   </a:solidFill>
-                  <a:latin typeface="Arial"/>
-                  <a:cs typeface="Arial"/>
+                  <a:latin typeface="Times New Roman"/>
+                  <a:cs typeface="Times New Roman"/>
                 </a:rPr>
                 <a:t>Stramenopiles</a:t>
               </a:r>
@@ -6270,8 +6270,8 @@
           </p:nvSpPr>
           <p:spPr>
             <a:xfrm>
-              <a:off x="9047847" y="6953012"/>
-              <a:ext cx="633725" cy="104884"/>
+              <a:off x="9076813" y="6962330"/>
+              <a:ext cx="571132" cy="101719"/>
             </a:xfrm>
             <a:prstGeom prst="rect">
               <a:avLst/>
@@ -6300,8 +6300,8 @@
                       <a:alpha val="100000"/>
                     </a:srgbClr>
                   </a:solidFill>
-                  <a:latin typeface="Arial"/>
-                  <a:cs typeface="Arial"/>
+                  <a:latin typeface="Times New Roman"/>
+                  <a:cs typeface="Times New Roman"/>
                 </a:rPr>
                 <a:t>Streptophyta</a:t>
               </a:r>
@@ -6316,8 +6316,8 @@
           </p:nvSpPr>
           <p:spPr>
             <a:xfrm>
-              <a:off x="5289266" y="7086743"/>
-              <a:ext cx="869714" cy="129468"/>
+              <a:off x="5322110" y="7090972"/>
+              <a:ext cx="772169" cy="124488"/>
             </a:xfrm>
             <a:prstGeom prst="rect">
               <a:avLst/>
@@ -6346,8 +6346,8 @@
                       <a:alpha val="100000"/>
                     </a:srgbClr>
                   </a:solidFill>
-                  <a:latin typeface="Arial"/>
-                  <a:cs typeface="Arial"/>
+                  <a:latin typeface="Times New Roman"/>
+                  <a:cs typeface="Times New Roman"/>
                 </a:rPr>
                 <a:t>Super Groups</a:t>
               </a:r>
@@ -6362,8 +6362,8 @@
           </p:nvSpPr>
           <p:spPr>
             <a:xfrm rot="-5400000">
-              <a:off x="279213" y="4109817"/>
-              <a:ext cx="1506072" cy="103478"/>
+              <a:off x="332351" y="4110649"/>
+              <a:ext cx="1389155" cy="99113"/>
             </a:xfrm>
             <a:prstGeom prst="rect">
               <a:avLst/>
@@ -6392,8 +6392,8 @@
                       <a:alpha val="100000"/>
                     </a:srgbClr>
                   </a:solidFill>
-                  <a:latin typeface="Arial"/>
-                  <a:cs typeface="Arial"/>
+                  <a:latin typeface="Times New Roman"/>
+                  <a:cs typeface="Times New Roman"/>
                 </a:rPr>
                 <a:t>RAPTOR Domain Score</a:t>
               </a:r>
@@ -6408,8 +6408,8 @@
           </p:nvSpPr>
           <p:spPr>
             <a:xfrm>
-              <a:off x="1459435" y="1177752"/>
-              <a:ext cx="1723876" cy="131105"/>
+              <a:off x="1427580" y="1166102"/>
+              <a:ext cx="1563644" cy="127148"/>
             </a:xfrm>
             <a:prstGeom prst="rect">
               <a:avLst/>
@@ -6438,8 +6438,8 @@
                       <a:alpha val="100000"/>
                     </a:srgbClr>
                   </a:solidFill>
-                  <a:latin typeface="Arial"/>
-                  <a:cs typeface="Arial"/>
+                  <a:latin typeface="Times New Roman"/>
+                  <a:cs typeface="Times New Roman"/>
                 </a:rPr>
                 <a:t>By Associated Super Group</a:t>
               </a:r>
@@ -6454,8 +6454,8 @@
           </p:nvSpPr>
           <p:spPr>
             <a:xfrm>
-              <a:off x="1459435" y="979814"/>
-              <a:ext cx="1891106" cy="124174"/>
+              <a:off x="1427580" y="976049"/>
+              <a:ext cx="1732225" cy="118935"/>
             </a:xfrm>
             <a:prstGeom prst="rect">
               <a:avLst/>
@@ -6484,8 +6484,8 @@
                       <a:alpha val="100000"/>
                     </a:srgbClr>
                   </a:solidFill>
-                  <a:latin typeface="Arial"/>
-                  <a:cs typeface="Arial"/>
+                  <a:latin typeface="Times New Roman"/>
+                  <a:cs typeface="Times New Roman"/>
                 </a:rPr>
                 <a:t>RAPTOR Domain Scores</a:t>
               </a:r>

--- a/Images/Figures_PPT/Box_Plot_Raptor_Domain.pptx
+++ b/Images/Figures_PPT/Box_Plot_Raptor_Domain.pptx
@@ -6316,8 +6316,8 @@
           </p:nvSpPr>
           <p:spPr>
             <a:xfrm>
-              <a:off x="5322110" y="7090972"/>
-              <a:ext cx="772169" cy="124488"/>
+              <a:off x="5545269" y="7116347"/>
+              <a:ext cx="325852" cy="99113"/>
             </a:xfrm>
             <a:prstGeom prst="rect">
               <a:avLst/>
@@ -6349,7 +6349,7 @@
                   <a:latin typeface="Times New Roman"/>
                   <a:cs typeface="Times New Roman"/>
                 </a:rPr>
-                <a:t>Super Groups</a:t>
+                <a:t>Clade</a:t>
               </a:r>
             </a:p>
           </p:txBody>
@@ -6409,7 +6409,7 @@
           <p:spPr>
             <a:xfrm>
               <a:off x="1427580" y="1166102"/>
-              <a:ext cx="1563644" cy="127148"/>
+              <a:ext cx="1171692" cy="127148"/>
             </a:xfrm>
             <a:prstGeom prst="rect">
               <a:avLst/>
@@ -6441,7 +6441,7 @@
                   <a:latin typeface="Times New Roman"/>
                   <a:cs typeface="Times New Roman"/>
                 </a:rPr>
-                <a:t>By Associated Super Group</a:t>
+                <a:t>By Associated Clade</a:t>
               </a:r>
             </a:p>
           </p:txBody>

--- a/Images/Figures_PPT/Box_Plot_Raptor_Domain.pptx
+++ b/Images/Figures_PPT/Box_Plot_Raptor_Domain.pptx
@@ -2298,8 +2298,8 @@
           </p:nvSpPr>
           <p:spPr>
             <a:xfrm>
-              <a:off x="10058400" y="914400"/>
-              <a:ext cx="0" cy="6400800"/>
+              <a:off x="914400" y="914400"/>
+              <a:ext cx="9144000" cy="6400800"/>
             </a:xfrm>
             <a:prstGeom prst="rect">
               <a:avLst/>
@@ -2333,8 +2333,8 @@
           </p:nvSpPr>
           <p:spPr>
             <a:xfrm>
-              <a:off x="1427580" y="1392990"/>
-              <a:ext cx="8561230" cy="5534432"/>
+              <a:off x="1710807" y="1613754"/>
+              <a:ext cx="8278003" cy="5133042"/>
             </a:xfrm>
             <a:prstGeom prst="rect">
               <a:avLst/>
@@ -2359,21 +2359,21 @@
           </p:nvSpPr>
           <p:spPr>
             <a:xfrm>
-              <a:off x="1427580" y="6206192"/>
-              <a:ext cx="8561230" cy="0"/>
-            </a:xfrm>
-            <a:custGeom>
-              <a:avLst/>
-              <a:pathLst>
-                <a:path w="8561230" h="0">
-                  <a:moveTo>
-                    <a:pt x="0" y="0"/>
-                  </a:moveTo>
-                  <a:lnTo>
-                    <a:pt x="8561230" y="0"/>
-                  </a:lnTo>
-                  <a:lnTo>
-                    <a:pt x="8561230" y="0"/>
+              <a:off x="1710807" y="6077874"/>
+              <a:ext cx="8278003" cy="0"/>
+            </a:xfrm>
+            <a:custGeom>
+              <a:avLst/>
+              <a:pathLst>
+                <a:path w="8278003" h="0">
+                  <a:moveTo>
+                    <a:pt x="0" y="0"/>
+                  </a:moveTo>
+                  <a:lnTo>
+                    <a:pt x="8278003" y="0"/>
+                  </a:lnTo>
+                  <a:lnTo>
+                    <a:pt x="8278003" y="0"/>
                   </a:lnTo>
                 </a:path>
               </a:pathLst>
@@ -2402,21 +2402,21 @@
           </p:nvSpPr>
           <p:spPr>
             <a:xfrm>
-              <a:off x="1427580" y="4614109"/>
-              <a:ext cx="8561230" cy="0"/>
-            </a:xfrm>
-            <a:custGeom>
-              <a:avLst/>
-              <a:pathLst>
-                <a:path w="8561230" h="0">
-                  <a:moveTo>
-                    <a:pt x="0" y="0"/>
-                  </a:moveTo>
-                  <a:lnTo>
-                    <a:pt x="8561230" y="0"/>
-                  </a:lnTo>
-                  <a:lnTo>
-                    <a:pt x="8561230" y="0"/>
+              <a:off x="1710807" y="4601258"/>
+              <a:ext cx="8278003" cy="0"/>
+            </a:xfrm>
+            <a:custGeom>
+              <a:avLst/>
+              <a:pathLst>
+                <a:path w="8278003" h="0">
+                  <a:moveTo>
+                    <a:pt x="0" y="0"/>
+                  </a:moveTo>
+                  <a:lnTo>
+                    <a:pt x="8278003" y="0"/>
+                  </a:lnTo>
+                  <a:lnTo>
+                    <a:pt x="8278003" y="0"/>
                   </a:lnTo>
                 </a:path>
               </a:pathLst>
@@ -2445,21 +2445,21 @@
           </p:nvSpPr>
           <p:spPr>
             <a:xfrm>
-              <a:off x="1427580" y="3022025"/>
-              <a:ext cx="8561230" cy="0"/>
-            </a:xfrm>
-            <a:custGeom>
-              <a:avLst/>
-              <a:pathLst>
-                <a:path w="8561230" h="0">
-                  <a:moveTo>
-                    <a:pt x="0" y="0"/>
-                  </a:moveTo>
-                  <a:lnTo>
-                    <a:pt x="8561230" y="0"/>
-                  </a:lnTo>
-                  <a:lnTo>
-                    <a:pt x="8561230" y="0"/>
+              <a:off x="1710807" y="3124642"/>
+              <a:ext cx="8278003" cy="0"/>
+            </a:xfrm>
+            <a:custGeom>
+              <a:avLst/>
+              <a:pathLst>
+                <a:path w="8278003" h="0">
+                  <a:moveTo>
+                    <a:pt x="0" y="0"/>
+                  </a:moveTo>
+                  <a:lnTo>
+                    <a:pt x="8278003" y="0"/>
+                  </a:lnTo>
+                  <a:lnTo>
+                    <a:pt x="8278003" y="0"/>
                   </a:lnTo>
                 </a:path>
               </a:pathLst>
@@ -2488,21 +2488,21 @@
           </p:nvSpPr>
           <p:spPr>
             <a:xfrm>
-              <a:off x="1427580" y="1429942"/>
-              <a:ext cx="8561230" cy="0"/>
-            </a:xfrm>
-            <a:custGeom>
-              <a:avLst/>
-              <a:pathLst>
-                <a:path w="8561230" h="0">
-                  <a:moveTo>
-                    <a:pt x="0" y="0"/>
-                  </a:moveTo>
-                  <a:lnTo>
-                    <a:pt x="8561230" y="0"/>
-                  </a:lnTo>
-                  <a:lnTo>
-                    <a:pt x="8561230" y="0"/>
+              <a:off x="1710807" y="1648026"/>
+              <a:ext cx="8278003" cy="0"/>
+            </a:xfrm>
+            <a:custGeom>
+              <a:avLst/>
+              <a:pathLst>
+                <a:path w="8278003" h="0">
+                  <a:moveTo>
+                    <a:pt x="0" y="0"/>
+                  </a:moveTo>
+                  <a:lnTo>
+                    <a:pt x="8278003" y="0"/>
+                  </a:lnTo>
+                  <a:lnTo>
+                    <a:pt x="8278003" y="0"/>
                   </a:lnTo>
                 </a:path>
               </a:pathLst>
@@ -2531,21 +2531,21 @@
           </p:nvSpPr>
           <p:spPr>
             <a:xfrm>
-              <a:off x="1427580" y="5410150"/>
-              <a:ext cx="8561230" cy="0"/>
-            </a:xfrm>
-            <a:custGeom>
-              <a:avLst/>
-              <a:pathLst>
-                <a:path w="8561230" h="0">
-                  <a:moveTo>
-                    <a:pt x="0" y="0"/>
-                  </a:moveTo>
-                  <a:lnTo>
-                    <a:pt x="8561230" y="0"/>
-                  </a:lnTo>
-                  <a:lnTo>
-                    <a:pt x="8561230" y="0"/>
+              <a:off x="1710807" y="5339566"/>
+              <a:ext cx="8278003" cy="0"/>
+            </a:xfrm>
+            <a:custGeom>
+              <a:avLst/>
+              <a:pathLst>
+                <a:path w="8278003" h="0">
+                  <a:moveTo>
+                    <a:pt x="0" y="0"/>
+                  </a:moveTo>
+                  <a:lnTo>
+                    <a:pt x="8278003" y="0"/>
+                  </a:lnTo>
+                  <a:lnTo>
+                    <a:pt x="8278003" y="0"/>
                   </a:lnTo>
                 </a:path>
               </a:pathLst>
@@ -2574,21 +2574,21 @@
           </p:nvSpPr>
           <p:spPr>
             <a:xfrm>
-              <a:off x="1427580" y="3818067"/>
-              <a:ext cx="8561230" cy="0"/>
-            </a:xfrm>
-            <a:custGeom>
-              <a:avLst/>
-              <a:pathLst>
-                <a:path w="8561230" h="0">
-                  <a:moveTo>
-                    <a:pt x="0" y="0"/>
-                  </a:moveTo>
-                  <a:lnTo>
-                    <a:pt x="8561230" y="0"/>
-                  </a:lnTo>
-                  <a:lnTo>
-                    <a:pt x="8561230" y="0"/>
+              <a:off x="1710807" y="3862950"/>
+              <a:ext cx="8278003" cy="0"/>
+            </a:xfrm>
+            <a:custGeom>
+              <a:avLst/>
+              <a:pathLst>
+                <a:path w="8278003" h="0">
+                  <a:moveTo>
+                    <a:pt x="0" y="0"/>
+                  </a:moveTo>
+                  <a:lnTo>
+                    <a:pt x="8278003" y="0"/>
+                  </a:lnTo>
+                  <a:lnTo>
+                    <a:pt x="8278003" y="0"/>
                   </a:lnTo>
                 </a:path>
               </a:pathLst>
@@ -2617,21 +2617,21 @@
           </p:nvSpPr>
           <p:spPr>
             <a:xfrm>
-              <a:off x="1427580" y="2225983"/>
-              <a:ext cx="8561230" cy="0"/>
-            </a:xfrm>
-            <a:custGeom>
-              <a:avLst/>
-              <a:pathLst>
-                <a:path w="8561230" h="0">
-                  <a:moveTo>
-                    <a:pt x="0" y="0"/>
-                  </a:moveTo>
-                  <a:lnTo>
-                    <a:pt x="8561230" y="0"/>
-                  </a:lnTo>
-                  <a:lnTo>
-                    <a:pt x="8561230" y="0"/>
+              <a:off x="1710807" y="2386334"/>
+              <a:ext cx="8278003" cy="0"/>
+            </a:xfrm>
+            <a:custGeom>
+              <a:avLst/>
+              <a:pathLst>
+                <a:path w="8278003" h="0">
+                  <a:moveTo>
+                    <a:pt x="0" y="0"/>
+                  </a:moveTo>
+                  <a:lnTo>
+                    <a:pt x="8278003" y="0"/>
+                  </a:lnTo>
+                  <a:lnTo>
+                    <a:pt x="8278003" y="0"/>
                   </a:lnTo>
                 </a:path>
               </a:pathLst>
@@ -2660,15 +2660,15 @@
           </p:nvSpPr>
           <p:spPr>
             <a:xfrm>
-              <a:off x="2054011" y="1392990"/>
-              <a:ext cx="0" cy="5534432"/>
-            </a:xfrm>
-            <a:custGeom>
-              <a:avLst/>
-              <a:pathLst>
-                <a:path w="0" h="5534432">
-                  <a:moveTo>
-                    <a:pt x="0" y="5534432"/>
+              <a:off x="2316515" y="1613754"/>
+              <a:ext cx="0" cy="5133042"/>
+            </a:xfrm>
+            <a:custGeom>
+              <a:avLst/>
+              <a:pathLst>
+                <a:path w="0" h="5133042">
+                  <a:moveTo>
+                    <a:pt x="0" y="5133042"/>
                   </a:moveTo>
                   <a:lnTo>
                     <a:pt x="0" y="0"/>
@@ -2703,15 +2703,15 @@
           </p:nvSpPr>
           <p:spPr>
             <a:xfrm>
-              <a:off x="3098064" y="1392990"/>
-              <a:ext cx="0" cy="5534432"/>
-            </a:xfrm>
-            <a:custGeom>
-              <a:avLst/>
-              <a:pathLst>
-                <a:path w="0" h="5534432">
-                  <a:moveTo>
-                    <a:pt x="0" y="5534432"/>
+              <a:off x="3326027" y="1613754"/>
+              <a:ext cx="0" cy="5133042"/>
+            </a:xfrm>
+            <a:custGeom>
+              <a:avLst/>
+              <a:pathLst>
+                <a:path w="0" h="5133042">
+                  <a:moveTo>
+                    <a:pt x="0" y="5133042"/>
                   </a:moveTo>
                   <a:lnTo>
                     <a:pt x="0" y="0"/>
@@ -2746,15 +2746,15 @@
           </p:nvSpPr>
           <p:spPr>
             <a:xfrm>
-              <a:off x="4142116" y="1392990"/>
-              <a:ext cx="0" cy="5534432"/>
-            </a:xfrm>
-            <a:custGeom>
-              <a:avLst/>
-              <a:pathLst>
-                <a:path w="0" h="5534432">
-                  <a:moveTo>
-                    <a:pt x="0" y="5534432"/>
+              <a:off x="4335540" y="1613754"/>
+              <a:ext cx="0" cy="5133042"/>
+            </a:xfrm>
+            <a:custGeom>
+              <a:avLst/>
+              <a:pathLst>
+                <a:path w="0" h="5133042">
+                  <a:moveTo>
+                    <a:pt x="0" y="5133042"/>
                   </a:moveTo>
                   <a:lnTo>
                     <a:pt x="0" y="0"/>
@@ -2789,15 +2789,15 @@
           </p:nvSpPr>
           <p:spPr>
             <a:xfrm>
-              <a:off x="5186169" y="1392990"/>
-              <a:ext cx="0" cy="5534432"/>
-            </a:xfrm>
-            <a:custGeom>
-              <a:avLst/>
-              <a:pathLst>
-                <a:path w="0" h="5534432">
-                  <a:moveTo>
-                    <a:pt x="0" y="5534432"/>
+              <a:off x="5345053" y="1613754"/>
+              <a:ext cx="0" cy="5133042"/>
+            </a:xfrm>
+            <a:custGeom>
+              <a:avLst/>
+              <a:pathLst>
+                <a:path w="0" h="5133042">
+                  <a:moveTo>
+                    <a:pt x="0" y="5133042"/>
                   </a:moveTo>
                   <a:lnTo>
                     <a:pt x="0" y="0"/>
@@ -2832,15 +2832,15 @@
           </p:nvSpPr>
           <p:spPr>
             <a:xfrm>
-              <a:off x="6230221" y="1392990"/>
-              <a:ext cx="0" cy="5534432"/>
-            </a:xfrm>
-            <a:custGeom>
-              <a:avLst/>
-              <a:pathLst>
-                <a:path w="0" h="5534432">
-                  <a:moveTo>
-                    <a:pt x="0" y="5534432"/>
+              <a:off x="6354565" y="1613754"/>
+              <a:ext cx="0" cy="5133042"/>
+            </a:xfrm>
+            <a:custGeom>
+              <a:avLst/>
+              <a:pathLst>
+                <a:path w="0" h="5133042">
+                  <a:moveTo>
+                    <a:pt x="0" y="5133042"/>
                   </a:moveTo>
                   <a:lnTo>
                     <a:pt x="0" y="0"/>
@@ -2875,15 +2875,15 @@
           </p:nvSpPr>
           <p:spPr>
             <a:xfrm>
-              <a:off x="7274274" y="1392990"/>
-              <a:ext cx="0" cy="5534432"/>
-            </a:xfrm>
-            <a:custGeom>
-              <a:avLst/>
-              <a:pathLst>
-                <a:path w="0" h="5534432">
-                  <a:moveTo>
-                    <a:pt x="0" y="5534432"/>
+              <a:off x="7364078" y="1613754"/>
+              <a:ext cx="0" cy="5133042"/>
+            </a:xfrm>
+            <a:custGeom>
+              <a:avLst/>
+              <a:pathLst>
+                <a:path w="0" h="5133042">
+                  <a:moveTo>
+                    <a:pt x="0" y="5133042"/>
                   </a:moveTo>
                   <a:lnTo>
                     <a:pt x="0" y="0"/>
@@ -2918,15 +2918,15 @@
           </p:nvSpPr>
           <p:spPr>
             <a:xfrm>
-              <a:off x="8318326" y="1392990"/>
-              <a:ext cx="0" cy="5534432"/>
-            </a:xfrm>
-            <a:custGeom>
-              <a:avLst/>
-              <a:pathLst>
-                <a:path w="0" h="5534432">
-                  <a:moveTo>
-                    <a:pt x="0" y="5534432"/>
+              <a:off x="8373590" y="1613754"/>
+              <a:ext cx="0" cy="5133042"/>
+            </a:xfrm>
+            <a:custGeom>
+              <a:avLst/>
+              <a:pathLst>
+                <a:path w="0" h="5133042">
+                  <a:moveTo>
+                    <a:pt x="0" y="5133042"/>
                   </a:moveTo>
                   <a:lnTo>
                     <a:pt x="0" y="0"/>
@@ -2961,15 +2961,15 @@
           </p:nvSpPr>
           <p:spPr>
             <a:xfrm>
-              <a:off x="9362379" y="1392990"/>
-              <a:ext cx="0" cy="5534432"/>
-            </a:xfrm>
-            <a:custGeom>
-              <a:avLst/>
-              <a:pathLst>
-                <a:path w="0" h="5534432">
-                  <a:moveTo>
-                    <a:pt x="0" y="5534432"/>
+              <a:off x="9383103" y="1613754"/>
+              <a:ext cx="0" cy="5133042"/>
+            </a:xfrm>
+            <a:custGeom>
+              <a:avLst/>
+              <a:pathLst>
+                <a:path w="0" h="5133042">
+                  <a:moveTo>
+                    <a:pt x="0" y="5133042"/>
                   </a:moveTo>
                   <a:lnTo>
                     <a:pt x="0" y="0"/>
@@ -3004,18 +3004,18 @@
           </p:nvSpPr>
           <p:spPr>
             <a:xfrm>
-              <a:off x="1792998" y="5740667"/>
-              <a:ext cx="522026" cy="0"/>
-            </a:xfrm>
-            <a:custGeom>
-              <a:avLst/>
-              <a:pathLst>
-                <a:path w="522026" h="0">
-                  <a:moveTo>
-                    <a:pt x="0" y="0"/>
-                  </a:moveTo>
-                  <a:lnTo>
-                    <a:pt x="522026" y="0"/>
+              <a:off x="2064137" y="5646112"/>
+              <a:ext cx="504756" cy="0"/>
+            </a:xfrm>
+            <a:custGeom>
+              <a:avLst/>
+              <a:pathLst>
+                <a:path w="504756" h="0">
+                  <a:moveTo>
+                    <a:pt x="0" y="0"/>
+                  </a:moveTo>
+                  <a:lnTo>
+                    <a:pt x="504756" y="0"/>
                   </a:lnTo>
                 </a:path>
               </a:pathLst>
@@ -3044,18 +3044,18 @@
           </p:nvSpPr>
           <p:spPr>
             <a:xfrm>
-              <a:off x="2054011" y="5740667"/>
-              <a:ext cx="0" cy="557547"/>
-            </a:xfrm>
-            <a:custGeom>
-              <a:avLst/>
-              <a:pathLst>
-                <a:path w="0" h="557547">
-                  <a:moveTo>
-                    <a:pt x="0" y="0"/>
-                  </a:moveTo>
-                  <a:lnTo>
-                    <a:pt x="0" y="557547"/>
+              <a:off x="2316515" y="5646112"/>
+              <a:ext cx="0" cy="517110"/>
+            </a:xfrm>
+            <a:custGeom>
+              <a:avLst/>
+              <a:pathLst>
+                <a:path w="0" h="517110">
+                  <a:moveTo>
+                    <a:pt x="0" y="0"/>
+                  </a:moveTo>
+                  <a:lnTo>
+                    <a:pt x="0" y="517110"/>
                   </a:lnTo>
                 </a:path>
               </a:pathLst>
@@ -3084,18 +3084,18 @@
           </p:nvSpPr>
           <p:spPr>
             <a:xfrm>
-              <a:off x="1792998" y="6298214"/>
-              <a:ext cx="522026" cy="0"/>
-            </a:xfrm>
-            <a:custGeom>
-              <a:avLst/>
-              <a:pathLst>
-                <a:path w="522026" h="0">
-                  <a:moveTo>
-                    <a:pt x="0" y="0"/>
-                  </a:moveTo>
-                  <a:lnTo>
-                    <a:pt x="522026" y="0"/>
+              <a:off x="2064137" y="6163223"/>
+              <a:ext cx="504756" cy="0"/>
+            </a:xfrm>
+            <a:custGeom>
+              <a:avLst/>
+              <a:pathLst>
+                <a:path w="504756" h="0">
+                  <a:moveTo>
+                    <a:pt x="0" y="0"/>
+                  </a:moveTo>
+                  <a:lnTo>
+                    <a:pt x="504756" y="0"/>
                   </a:lnTo>
                 </a:path>
               </a:pathLst>
@@ -3124,18 +3124,18 @@
           </p:nvSpPr>
           <p:spPr>
             <a:xfrm>
-              <a:off x="2837051" y="2748505"/>
-              <a:ext cx="522026" cy="0"/>
-            </a:xfrm>
-            <a:custGeom>
-              <a:avLst/>
-              <a:pathLst>
-                <a:path w="522026" h="0">
-                  <a:moveTo>
-                    <a:pt x="0" y="0"/>
-                  </a:moveTo>
-                  <a:lnTo>
-                    <a:pt x="522026" y="0"/>
+              <a:off x="3073649" y="2870959"/>
+              <a:ext cx="504756" cy="0"/>
+            </a:xfrm>
+            <a:custGeom>
+              <a:avLst/>
+              <a:pathLst>
+                <a:path w="504756" h="0">
+                  <a:moveTo>
+                    <a:pt x="0" y="0"/>
+                  </a:moveTo>
+                  <a:lnTo>
+                    <a:pt x="504756" y="0"/>
                   </a:lnTo>
                 </a:path>
               </a:pathLst>
@@ -3164,18 +3164,18 @@
           </p:nvSpPr>
           <p:spPr>
             <a:xfrm>
-              <a:off x="3098064" y="2748505"/>
-              <a:ext cx="0" cy="1457393"/>
-            </a:xfrm>
-            <a:custGeom>
-              <a:avLst/>
-              <a:pathLst>
-                <a:path w="0" h="1457393">
-                  <a:moveTo>
-                    <a:pt x="0" y="0"/>
-                  </a:moveTo>
-                  <a:lnTo>
-                    <a:pt x="0" y="1457393"/>
+              <a:off x="3326027" y="2870959"/>
+              <a:ext cx="0" cy="1351694"/>
+            </a:xfrm>
+            <a:custGeom>
+              <a:avLst/>
+              <a:pathLst>
+                <a:path w="0" h="1351694">
+                  <a:moveTo>
+                    <a:pt x="0" y="0"/>
+                  </a:moveTo>
+                  <a:lnTo>
+                    <a:pt x="0" y="1351694"/>
                   </a:lnTo>
                 </a:path>
               </a:pathLst>
@@ -3204,18 +3204,18 @@
           </p:nvSpPr>
           <p:spPr>
             <a:xfrm>
-              <a:off x="2837051" y="4205898"/>
-              <a:ext cx="522026" cy="0"/>
-            </a:xfrm>
-            <a:custGeom>
-              <a:avLst/>
-              <a:pathLst>
-                <a:path w="522026" h="0">
-                  <a:moveTo>
-                    <a:pt x="0" y="0"/>
-                  </a:moveTo>
-                  <a:lnTo>
-                    <a:pt x="522026" y="0"/>
+              <a:off x="3073649" y="4222654"/>
+              <a:ext cx="504756" cy="0"/>
+            </a:xfrm>
+            <a:custGeom>
+              <a:avLst/>
+              <a:pathLst>
+                <a:path w="504756" h="0">
+                  <a:moveTo>
+                    <a:pt x="0" y="0"/>
+                  </a:moveTo>
+                  <a:lnTo>
+                    <a:pt x="504756" y="0"/>
                   </a:lnTo>
                 </a:path>
               </a:pathLst>
@@ -3244,18 +3244,18 @@
           </p:nvSpPr>
           <p:spPr>
             <a:xfrm>
-              <a:off x="3881103" y="3801509"/>
-              <a:ext cx="522026" cy="0"/>
-            </a:xfrm>
-            <a:custGeom>
-              <a:avLst/>
-              <a:pathLst>
-                <a:path w="522026" h="0">
-                  <a:moveTo>
-                    <a:pt x="0" y="0"/>
-                  </a:moveTo>
-                  <a:lnTo>
-                    <a:pt x="522026" y="0"/>
+              <a:off x="4083162" y="3847593"/>
+              <a:ext cx="504756" cy="0"/>
+            </a:xfrm>
+            <a:custGeom>
+              <a:avLst/>
+              <a:pathLst>
+                <a:path w="504756" h="0">
+                  <a:moveTo>
+                    <a:pt x="0" y="0"/>
+                  </a:moveTo>
+                  <a:lnTo>
+                    <a:pt x="504756" y="0"/>
                   </a:lnTo>
                 </a:path>
               </a:pathLst>
@@ -3284,18 +3284,18 @@
           </p:nvSpPr>
           <p:spPr>
             <a:xfrm>
-              <a:off x="4142116" y="3801509"/>
-              <a:ext cx="0" cy="1574570"/>
-            </a:xfrm>
-            <a:custGeom>
-              <a:avLst/>
-              <a:pathLst>
-                <a:path w="0" h="1574570">
-                  <a:moveTo>
-                    <a:pt x="0" y="0"/>
-                  </a:moveTo>
-                  <a:lnTo>
-                    <a:pt x="0" y="1574570"/>
+              <a:off x="4335540" y="3847593"/>
+              <a:ext cx="0" cy="1460373"/>
+            </a:xfrm>
+            <a:custGeom>
+              <a:avLst/>
+              <a:pathLst>
+                <a:path w="0" h="1460373">
+                  <a:moveTo>
+                    <a:pt x="0" y="0"/>
+                  </a:moveTo>
+                  <a:lnTo>
+                    <a:pt x="0" y="1460373"/>
                   </a:lnTo>
                 </a:path>
               </a:pathLst>
@@ -3324,18 +3324,18 @@
           </p:nvSpPr>
           <p:spPr>
             <a:xfrm>
-              <a:off x="3881103" y="5376080"/>
-              <a:ext cx="522026" cy="0"/>
-            </a:xfrm>
-            <a:custGeom>
-              <a:avLst/>
-              <a:pathLst>
-                <a:path w="522026" h="0">
-                  <a:moveTo>
-                    <a:pt x="0" y="0"/>
-                  </a:moveTo>
-                  <a:lnTo>
-                    <a:pt x="522026" y="0"/>
+              <a:off x="4083162" y="5307967"/>
+              <a:ext cx="504756" cy="0"/>
+            </a:xfrm>
+            <a:custGeom>
+              <a:avLst/>
+              <a:pathLst>
+                <a:path w="504756" h="0">
+                  <a:moveTo>
+                    <a:pt x="0" y="0"/>
+                  </a:moveTo>
+                  <a:lnTo>
+                    <a:pt x="504756" y="0"/>
                   </a:lnTo>
                 </a:path>
               </a:pathLst>
@@ -3364,18 +3364,18 @@
           </p:nvSpPr>
           <p:spPr>
             <a:xfrm>
-              <a:off x="4925156" y="3483093"/>
-              <a:ext cx="522026" cy="0"/>
-            </a:xfrm>
-            <a:custGeom>
-              <a:avLst/>
-              <a:pathLst>
-                <a:path w="522026" h="0">
-                  <a:moveTo>
-                    <a:pt x="0" y="0"/>
-                  </a:moveTo>
-                  <a:lnTo>
-                    <a:pt x="522026" y="0"/>
+              <a:off x="5092674" y="3552270"/>
+              <a:ext cx="504756" cy="0"/>
+            </a:xfrm>
+            <a:custGeom>
+              <a:avLst/>
+              <a:pathLst>
+                <a:path w="504756" h="0">
+                  <a:moveTo>
+                    <a:pt x="0" y="0"/>
+                  </a:moveTo>
+                  <a:lnTo>
+                    <a:pt x="504756" y="0"/>
                   </a:lnTo>
                 </a:path>
               </a:pathLst>
@@ -3404,18 +3404,18 @@
           </p:nvSpPr>
           <p:spPr>
             <a:xfrm>
-              <a:off x="5186169" y="3483093"/>
-              <a:ext cx="0" cy="2932617"/>
-            </a:xfrm>
-            <a:custGeom>
-              <a:avLst/>
-              <a:pathLst>
-                <a:path w="0" h="2932617">
-                  <a:moveTo>
-                    <a:pt x="0" y="0"/>
-                  </a:moveTo>
-                  <a:lnTo>
-                    <a:pt x="0" y="2932617"/>
+              <a:off x="5345053" y="3552270"/>
+              <a:ext cx="0" cy="2719926"/>
+            </a:xfrm>
+            <a:custGeom>
+              <a:avLst/>
+              <a:pathLst>
+                <a:path w="0" h="2719926">
+                  <a:moveTo>
+                    <a:pt x="0" y="0"/>
+                  </a:moveTo>
+                  <a:lnTo>
+                    <a:pt x="0" y="2719926"/>
                   </a:lnTo>
                 </a:path>
               </a:pathLst>
@@ -3444,18 +3444,18 @@
           </p:nvSpPr>
           <p:spPr>
             <a:xfrm>
-              <a:off x="4925156" y="6415710"/>
-              <a:ext cx="522026" cy="0"/>
-            </a:xfrm>
-            <a:custGeom>
-              <a:avLst/>
-              <a:pathLst>
-                <a:path w="522026" h="0">
-                  <a:moveTo>
-                    <a:pt x="0" y="0"/>
-                  </a:moveTo>
-                  <a:lnTo>
-                    <a:pt x="522026" y="0"/>
+              <a:off x="5092674" y="6272197"/>
+              <a:ext cx="504756" cy="0"/>
+            </a:xfrm>
+            <a:custGeom>
+              <a:avLst/>
+              <a:pathLst>
+                <a:path w="504756" h="0">
+                  <a:moveTo>
+                    <a:pt x="0" y="0"/>
+                  </a:moveTo>
+                  <a:lnTo>
+                    <a:pt x="504756" y="0"/>
                   </a:lnTo>
                 </a:path>
               </a:pathLst>
@@ -3484,18 +3484,18 @@
           </p:nvSpPr>
           <p:spPr>
             <a:xfrm>
-              <a:off x="5969208" y="3327705"/>
-              <a:ext cx="522026" cy="0"/>
-            </a:xfrm>
-            <a:custGeom>
-              <a:avLst/>
-              <a:pathLst>
-                <a:path w="522026" h="0">
-                  <a:moveTo>
-                    <a:pt x="0" y="0"/>
-                  </a:moveTo>
-                  <a:lnTo>
-                    <a:pt x="522026" y="0"/>
+              <a:off x="6102187" y="3408152"/>
+              <a:ext cx="504756" cy="0"/>
+            </a:xfrm>
+            <a:custGeom>
+              <a:avLst/>
+              <a:pathLst>
+                <a:path w="504756" h="0">
+                  <a:moveTo>
+                    <a:pt x="0" y="0"/>
+                  </a:moveTo>
+                  <a:lnTo>
+                    <a:pt x="504756" y="0"/>
                   </a:lnTo>
                 </a:path>
               </a:pathLst>
@@ -3524,18 +3524,18 @@
           </p:nvSpPr>
           <p:spPr>
             <a:xfrm>
-              <a:off x="6230221" y="3327705"/>
-              <a:ext cx="0" cy="3348151"/>
-            </a:xfrm>
-            <a:custGeom>
-              <a:avLst/>
-              <a:pathLst>
-                <a:path w="0" h="3348151">
-                  <a:moveTo>
-                    <a:pt x="0" y="0"/>
-                  </a:moveTo>
-                  <a:lnTo>
-                    <a:pt x="0" y="3348151"/>
+              <a:off x="6354565" y="3408152"/>
+              <a:ext cx="0" cy="3105323"/>
+            </a:xfrm>
+            <a:custGeom>
+              <a:avLst/>
+              <a:pathLst>
+                <a:path w="0" h="3105323">
+                  <a:moveTo>
+                    <a:pt x="0" y="0"/>
+                  </a:moveTo>
+                  <a:lnTo>
+                    <a:pt x="0" y="3105323"/>
                   </a:lnTo>
                 </a:path>
               </a:pathLst>
@@ -3564,18 +3564,18 @@
           </p:nvSpPr>
           <p:spPr>
             <a:xfrm>
-              <a:off x="5969208" y="6675857"/>
-              <a:ext cx="522026" cy="0"/>
-            </a:xfrm>
-            <a:custGeom>
-              <a:avLst/>
-              <a:pathLst>
-                <a:path w="522026" h="0">
-                  <a:moveTo>
-                    <a:pt x="0" y="0"/>
-                  </a:moveTo>
-                  <a:lnTo>
-                    <a:pt x="522026" y="0"/>
+              <a:off x="6102187" y="6513476"/>
+              <a:ext cx="504756" cy="0"/>
+            </a:xfrm>
+            <a:custGeom>
+              <a:avLst/>
+              <a:pathLst>
+                <a:path w="504756" h="0">
+                  <a:moveTo>
+                    <a:pt x="0" y="0"/>
+                  </a:moveTo>
+                  <a:lnTo>
+                    <a:pt x="504756" y="0"/>
                   </a:lnTo>
                 </a:path>
               </a:pathLst>
@@ -3604,18 +3604,18 @@
           </p:nvSpPr>
           <p:spPr>
             <a:xfrm>
-              <a:off x="7013261" y="3603454"/>
-              <a:ext cx="522026" cy="0"/>
-            </a:xfrm>
-            <a:custGeom>
-              <a:avLst/>
-              <a:pathLst>
-                <a:path w="522026" h="0">
-                  <a:moveTo>
-                    <a:pt x="0" y="0"/>
-                  </a:moveTo>
-                  <a:lnTo>
-                    <a:pt x="522026" y="0"/>
+              <a:off x="7111700" y="3663902"/>
+              <a:ext cx="504756" cy="0"/>
+            </a:xfrm>
+            <a:custGeom>
+              <a:avLst/>
+              <a:pathLst>
+                <a:path w="504756" h="0">
+                  <a:moveTo>
+                    <a:pt x="0" y="0"/>
+                  </a:moveTo>
+                  <a:lnTo>
+                    <a:pt x="504756" y="0"/>
                   </a:lnTo>
                 </a:path>
               </a:pathLst>
@@ -3644,18 +3644,18 @@
           </p:nvSpPr>
           <p:spPr>
             <a:xfrm>
-              <a:off x="7274274" y="3603454"/>
-              <a:ext cx="0" cy="988046"/>
-            </a:xfrm>
-            <a:custGeom>
-              <a:avLst/>
-              <a:pathLst>
-                <a:path w="0" h="988046">
-                  <a:moveTo>
-                    <a:pt x="0" y="0"/>
-                  </a:moveTo>
-                  <a:lnTo>
-                    <a:pt x="0" y="988046"/>
+              <a:off x="7364078" y="3663902"/>
+              <a:ext cx="0" cy="916387"/>
+            </a:xfrm>
+            <a:custGeom>
+              <a:avLst/>
+              <a:pathLst>
+                <a:path w="0" h="916387">
+                  <a:moveTo>
+                    <a:pt x="0" y="0"/>
+                  </a:moveTo>
+                  <a:lnTo>
+                    <a:pt x="0" y="916387"/>
                   </a:lnTo>
                 </a:path>
               </a:pathLst>
@@ -3684,18 +3684,18 @@
           </p:nvSpPr>
           <p:spPr>
             <a:xfrm>
-              <a:off x="7013261" y="4591501"/>
-              <a:ext cx="522026" cy="0"/>
-            </a:xfrm>
-            <a:custGeom>
-              <a:avLst/>
-              <a:pathLst>
-                <a:path w="522026" h="0">
-                  <a:moveTo>
-                    <a:pt x="0" y="0"/>
-                  </a:moveTo>
-                  <a:lnTo>
-                    <a:pt x="522026" y="0"/>
+              <a:off x="7111700" y="4580290"/>
+              <a:ext cx="504756" cy="0"/>
+            </a:xfrm>
+            <a:custGeom>
+              <a:avLst/>
+              <a:pathLst>
+                <a:path w="504756" h="0">
+                  <a:moveTo>
+                    <a:pt x="0" y="0"/>
+                  </a:moveTo>
+                  <a:lnTo>
+                    <a:pt x="504756" y="0"/>
                   </a:lnTo>
                 </a:path>
               </a:pathLst>
@@ -3724,18 +3724,18 @@
           </p:nvSpPr>
           <p:spPr>
             <a:xfrm>
-              <a:off x="8057313" y="2596620"/>
-              <a:ext cx="522026" cy="0"/>
-            </a:xfrm>
-            <a:custGeom>
-              <a:avLst/>
-              <a:pathLst>
-                <a:path w="522026" h="0">
-                  <a:moveTo>
-                    <a:pt x="0" y="0"/>
-                  </a:moveTo>
-                  <a:lnTo>
-                    <a:pt x="522026" y="0"/>
+              <a:off x="8121212" y="2730090"/>
+              <a:ext cx="504756" cy="0"/>
+            </a:xfrm>
+            <a:custGeom>
+              <a:avLst/>
+              <a:pathLst>
+                <a:path w="504756" h="0">
+                  <a:moveTo>
+                    <a:pt x="0" y="0"/>
+                  </a:moveTo>
+                  <a:lnTo>
+                    <a:pt x="504756" y="0"/>
                   </a:lnTo>
                 </a:path>
               </a:pathLst>
@@ -3764,18 +3764,18 @@
           </p:nvSpPr>
           <p:spPr>
             <a:xfrm>
-              <a:off x="8318326" y="2596620"/>
-              <a:ext cx="0" cy="3812402"/>
-            </a:xfrm>
-            <a:custGeom>
-              <a:avLst/>
-              <a:pathLst>
-                <a:path w="0" h="3812402">
-                  <a:moveTo>
-                    <a:pt x="0" y="0"/>
-                  </a:moveTo>
-                  <a:lnTo>
-                    <a:pt x="0" y="3812402"/>
+              <a:off x="8373590" y="2730090"/>
+              <a:ext cx="0" cy="3535905"/>
+            </a:xfrm>
+            <a:custGeom>
+              <a:avLst/>
+              <a:pathLst>
+                <a:path w="0" h="3535905">
+                  <a:moveTo>
+                    <a:pt x="0" y="0"/>
+                  </a:moveTo>
+                  <a:lnTo>
+                    <a:pt x="0" y="3535905"/>
                   </a:lnTo>
                 </a:path>
               </a:pathLst>
@@ -3804,18 +3804,18 @@
           </p:nvSpPr>
           <p:spPr>
             <a:xfrm>
-              <a:off x="8057313" y="6409023"/>
-              <a:ext cx="522026" cy="0"/>
-            </a:xfrm>
-            <a:custGeom>
-              <a:avLst/>
-              <a:pathLst>
-                <a:path w="522026" h="0">
-                  <a:moveTo>
-                    <a:pt x="0" y="0"/>
-                  </a:moveTo>
-                  <a:lnTo>
-                    <a:pt x="522026" y="0"/>
+              <a:off x="8121212" y="6265995"/>
+              <a:ext cx="504756" cy="0"/>
+            </a:xfrm>
+            <a:custGeom>
+              <a:avLst/>
+              <a:pathLst>
+                <a:path w="504756" h="0">
+                  <a:moveTo>
+                    <a:pt x="0" y="0"/>
+                  </a:moveTo>
+                  <a:lnTo>
+                    <a:pt x="504756" y="0"/>
                   </a:lnTo>
                 </a:path>
               </a:pathLst>
@@ -3844,18 +3844,18 @@
           </p:nvSpPr>
           <p:spPr>
             <a:xfrm>
-              <a:off x="9101366" y="1644555"/>
-              <a:ext cx="522026" cy="0"/>
-            </a:xfrm>
-            <a:custGeom>
-              <a:avLst/>
-              <a:pathLst>
-                <a:path w="522026" h="0">
-                  <a:moveTo>
-                    <a:pt x="0" y="0"/>
-                  </a:moveTo>
-                  <a:lnTo>
-                    <a:pt x="522026" y="0"/>
+              <a:off x="9130725" y="1847074"/>
+              <a:ext cx="504756" cy="0"/>
+            </a:xfrm>
+            <a:custGeom>
+              <a:avLst/>
+              <a:pathLst>
+                <a:path w="504756" h="0">
+                  <a:moveTo>
+                    <a:pt x="0" y="0"/>
+                  </a:moveTo>
+                  <a:lnTo>
+                    <a:pt x="504756" y="0"/>
                   </a:lnTo>
                 </a:path>
               </a:pathLst>
@@ -3884,18 +3884,18 @@
           </p:nvSpPr>
           <p:spPr>
             <a:xfrm>
-              <a:off x="9362379" y="1644555"/>
-              <a:ext cx="0" cy="616773"/>
-            </a:xfrm>
-            <a:custGeom>
-              <a:avLst/>
-              <a:pathLst>
-                <a:path w="0" h="616773">
-                  <a:moveTo>
-                    <a:pt x="0" y="0"/>
-                  </a:moveTo>
-                  <a:lnTo>
-                    <a:pt x="0" y="616773"/>
+              <a:off x="9383103" y="1847074"/>
+              <a:ext cx="0" cy="572041"/>
+            </a:xfrm>
+            <a:custGeom>
+              <a:avLst/>
+              <a:pathLst>
+                <a:path w="0" h="572041">
+                  <a:moveTo>
+                    <a:pt x="0" y="0"/>
+                  </a:moveTo>
+                  <a:lnTo>
+                    <a:pt x="0" y="572041"/>
                   </a:lnTo>
                 </a:path>
               </a:pathLst>
@@ -3924,18 +3924,18 @@
           </p:nvSpPr>
           <p:spPr>
             <a:xfrm>
-              <a:off x="9101366" y="2261328"/>
-              <a:ext cx="522026" cy="0"/>
-            </a:xfrm>
-            <a:custGeom>
-              <a:avLst/>
-              <a:pathLst>
-                <a:path w="522026" h="0">
-                  <a:moveTo>
-                    <a:pt x="0" y="0"/>
-                  </a:moveTo>
-                  <a:lnTo>
-                    <a:pt x="522026" y="0"/>
+              <a:off x="9130725" y="2419115"/>
+              <a:ext cx="504756" cy="0"/>
+            </a:xfrm>
+            <a:custGeom>
+              <a:avLst/>
+              <a:pathLst>
+                <a:path w="504756" h="0">
+                  <a:moveTo>
+                    <a:pt x="0" y="0"/>
+                  </a:moveTo>
+                  <a:lnTo>
+                    <a:pt x="504756" y="0"/>
                   </a:lnTo>
                 </a:path>
               </a:pathLst>
@@ -3964,15 +3964,15 @@
           </p:nvSpPr>
           <p:spPr>
             <a:xfrm>
-              <a:off x="2054011" y="5740667"/>
-              <a:ext cx="0" cy="192403"/>
-            </a:xfrm>
-            <a:custGeom>
-              <a:avLst/>
-              <a:pathLst>
-                <a:path w="0" h="192403">
-                  <a:moveTo>
-                    <a:pt x="0" y="192403"/>
+              <a:off x="2316515" y="5646112"/>
+              <a:ext cx="0" cy="178449"/>
+            </a:xfrm>
+            <a:custGeom>
+              <a:avLst/>
+              <a:pathLst>
+                <a:path w="0" h="178449">
+                  <a:moveTo>
+                    <a:pt x="0" y="178449"/>
                   </a:moveTo>
                   <a:lnTo>
                     <a:pt x="0" y="0"/>
@@ -4004,18 +4004,18 @@
           </p:nvSpPr>
           <p:spPr>
             <a:xfrm>
-              <a:off x="2054011" y="6222590"/>
-              <a:ext cx="0" cy="75623"/>
-            </a:xfrm>
-            <a:custGeom>
-              <a:avLst/>
-              <a:pathLst>
-                <a:path w="0" h="75623">
-                  <a:moveTo>
-                    <a:pt x="0" y="0"/>
-                  </a:moveTo>
-                  <a:lnTo>
-                    <a:pt x="0" y="75623"/>
+              <a:off x="2316515" y="6093084"/>
+              <a:ext cx="0" cy="70139"/>
+            </a:xfrm>
+            <a:custGeom>
+              <a:avLst/>
+              <a:pathLst>
+                <a:path w="0" h="70139">
+                  <a:moveTo>
+                    <a:pt x="0" y="0"/>
+                  </a:moveTo>
+                  <a:lnTo>
+                    <a:pt x="0" y="70139"/>
                   </a:lnTo>
                 </a:path>
               </a:pathLst>
@@ -4044,24 +4044,24 @@
           </p:nvSpPr>
           <p:spPr>
             <a:xfrm>
-              <a:off x="1662492" y="5933070"/>
-              <a:ext cx="783039" cy="289520"/>
-            </a:xfrm>
-            <a:custGeom>
-              <a:avLst/>
-              <a:pathLst>
-                <a:path w="783039" h="289520">
-                  <a:moveTo>
-                    <a:pt x="0" y="0"/>
-                  </a:moveTo>
-                  <a:lnTo>
-                    <a:pt x="0" y="289520"/>
-                  </a:lnTo>
-                  <a:lnTo>
-                    <a:pt x="783039" y="289520"/>
-                  </a:lnTo>
-                  <a:lnTo>
-                    <a:pt x="783039" y="0"/>
+              <a:off x="1937948" y="5824561"/>
+              <a:ext cx="757134" cy="268522"/>
+            </a:xfrm>
+            <a:custGeom>
+              <a:avLst/>
+              <a:pathLst>
+                <a:path w="757134" h="268522">
+                  <a:moveTo>
+                    <a:pt x="0" y="0"/>
+                  </a:moveTo>
+                  <a:lnTo>
+                    <a:pt x="0" y="268522"/>
+                  </a:lnTo>
+                  <a:lnTo>
+                    <a:pt x="757134" y="268522"/>
+                  </a:lnTo>
+                  <a:lnTo>
+                    <a:pt x="757134" y="0"/>
                   </a:lnTo>
                   <a:close/>
                 </a:path>
@@ -4096,18 +4096,18 @@
           </p:nvSpPr>
           <p:spPr>
             <a:xfrm>
-              <a:off x="1662492" y="5979798"/>
-              <a:ext cx="783039" cy="0"/>
-            </a:xfrm>
-            <a:custGeom>
-              <a:avLst/>
-              <a:pathLst>
-                <a:path w="783039" h="0">
-                  <a:moveTo>
-                    <a:pt x="0" y="0"/>
-                  </a:moveTo>
-                  <a:lnTo>
-                    <a:pt x="783039" y="0"/>
+              <a:off x="1937948" y="5867900"/>
+              <a:ext cx="757134" cy="0"/>
+            </a:xfrm>
+            <a:custGeom>
+              <a:avLst/>
+              <a:pathLst>
+                <a:path w="757134" h="0">
+                  <a:moveTo>
+                    <a:pt x="0" y="0"/>
+                  </a:moveTo>
+                  <a:lnTo>
+                    <a:pt x="757134" y="0"/>
                   </a:lnTo>
                 </a:path>
               </a:pathLst>
@@ -4136,15 +4136,15 @@
           </p:nvSpPr>
           <p:spPr>
             <a:xfrm>
-              <a:off x="3098064" y="2748505"/>
-              <a:ext cx="0" cy="297719"/>
-            </a:xfrm>
-            <a:custGeom>
-              <a:avLst/>
-              <a:pathLst>
-                <a:path w="0" h="297719">
-                  <a:moveTo>
-                    <a:pt x="0" y="297719"/>
+              <a:off x="3326027" y="2870959"/>
+              <a:ext cx="0" cy="276127"/>
+            </a:xfrm>
+            <a:custGeom>
+              <a:avLst/>
+              <a:pathLst>
+                <a:path w="0" h="276127">
+                  <a:moveTo>
+                    <a:pt x="0" y="276127"/>
                   </a:moveTo>
                   <a:lnTo>
                     <a:pt x="0" y="0"/>
@@ -4176,18 +4176,18 @@
           </p:nvSpPr>
           <p:spPr>
             <a:xfrm>
-              <a:off x="3098064" y="3569065"/>
-              <a:ext cx="0" cy="636833"/>
-            </a:xfrm>
-            <a:custGeom>
-              <a:avLst/>
-              <a:pathLst>
-                <a:path w="0" h="636833">
-                  <a:moveTo>
-                    <a:pt x="0" y="0"/>
-                  </a:moveTo>
-                  <a:lnTo>
-                    <a:pt x="0" y="636833"/>
+              <a:off x="3326027" y="3632007"/>
+              <a:ext cx="0" cy="590646"/>
+            </a:xfrm>
+            <a:custGeom>
+              <a:avLst/>
+              <a:pathLst>
+                <a:path w="0" h="590646">
+                  <a:moveTo>
+                    <a:pt x="0" y="0"/>
+                  </a:moveTo>
+                  <a:lnTo>
+                    <a:pt x="0" y="590646"/>
                   </a:lnTo>
                 </a:path>
               </a:pathLst>
@@ -4216,24 +4216,24 @@
           </p:nvSpPr>
           <p:spPr>
             <a:xfrm>
-              <a:off x="2706544" y="3046225"/>
-              <a:ext cx="783039" cy="522840"/>
-            </a:xfrm>
-            <a:custGeom>
-              <a:avLst/>
-              <a:pathLst>
-                <a:path w="783039" h="522840">
-                  <a:moveTo>
-                    <a:pt x="0" y="0"/>
-                  </a:moveTo>
-                  <a:lnTo>
-                    <a:pt x="0" y="522840"/>
-                  </a:lnTo>
-                  <a:lnTo>
-                    <a:pt x="783039" y="522840"/>
-                  </a:lnTo>
-                  <a:lnTo>
-                    <a:pt x="783039" y="0"/>
+              <a:off x="2947460" y="3147087"/>
+              <a:ext cx="757134" cy="484920"/>
+            </a:xfrm>
+            <a:custGeom>
+              <a:avLst/>
+              <a:pathLst>
+                <a:path w="757134" h="484920">
+                  <a:moveTo>
+                    <a:pt x="0" y="0"/>
+                  </a:moveTo>
+                  <a:lnTo>
+                    <a:pt x="0" y="484920"/>
+                  </a:lnTo>
+                  <a:lnTo>
+                    <a:pt x="757134" y="484920"/>
+                  </a:lnTo>
+                  <a:lnTo>
+                    <a:pt x="757134" y="0"/>
                   </a:lnTo>
                   <a:close/>
                 </a:path>
@@ -4268,18 +4268,18 @@
           </p:nvSpPr>
           <p:spPr>
             <a:xfrm>
-              <a:off x="2706544" y="3163402"/>
-              <a:ext cx="783039" cy="0"/>
-            </a:xfrm>
-            <a:custGeom>
-              <a:avLst/>
-              <a:pathLst>
-                <a:path w="783039" h="0">
-                  <a:moveTo>
-                    <a:pt x="0" y="0"/>
-                  </a:moveTo>
-                  <a:lnTo>
-                    <a:pt x="783039" y="0"/>
+              <a:off x="2947460" y="3255766"/>
+              <a:ext cx="757134" cy="0"/>
+            </a:xfrm>
+            <a:custGeom>
+              <a:avLst/>
+              <a:pathLst>
+                <a:path w="757134" h="0">
+                  <a:moveTo>
+                    <a:pt x="0" y="0"/>
+                  </a:moveTo>
+                  <a:lnTo>
+                    <a:pt x="757134" y="0"/>
                   </a:lnTo>
                 </a:path>
               </a:pathLst>
@@ -4308,15 +4308,15 @@
           </p:nvSpPr>
           <p:spPr>
             <a:xfrm>
-              <a:off x="4142116" y="3801509"/>
-              <a:ext cx="0" cy="393722"/>
-            </a:xfrm>
-            <a:custGeom>
-              <a:avLst/>
-              <a:pathLst>
-                <a:path w="0" h="393722">
-                  <a:moveTo>
-                    <a:pt x="0" y="393722"/>
+              <a:off x="4335540" y="3847593"/>
+              <a:ext cx="0" cy="365167"/>
+            </a:xfrm>
+            <a:custGeom>
+              <a:avLst/>
+              <a:pathLst>
+                <a:path w="0" h="365167">
+                  <a:moveTo>
+                    <a:pt x="0" y="365167"/>
                   </a:moveTo>
                   <a:lnTo>
                     <a:pt x="0" y="0"/>
@@ -4348,18 +4348,18 @@
           </p:nvSpPr>
           <p:spPr>
             <a:xfrm>
-              <a:off x="4142116" y="4734788"/>
-              <a:ext cx="0" cy="641291"/>
-            </a:xfrm>
-            <a:custGeom>
-              <a:avLst/>
-              <a:pathLst>
-                <a:path w="0" h="641291">
-                  <a:moveTo>
-                    <a:pt x="0" y="0"/>
-                  </a:moveTo>
-                  <a:lnTo>
-                    <a:pt x="0" y="641291"/>
+              <a:off x="4335540" y="4713186"/>
+              <a:ext cx="0" cy="594780"/>
+            </a:xfrm>
+            <a:custGeom>
+              <a:avLst/>
+              <a:pathLst>
+                <a:path w="0" h="594780">
+                  <a:moveTo>
+                    <a:pt x="0" y="0"/>
+                  </a:moveTo>
+                  <a:lnTo>
+                    <a:pt x="0" y="594780"/>
                   </a:lnTo>
                 </a:path>
               </a:pathLst>
@@ -4388,24 +4388,24 @@
           </p:nvSpPr>
           <p:spPr>
             <a:xfrm>
-              <a:off x="3750597" y="4195231"/>
-              <a:ext cx="783039" cy="539557"/>
-            </a:xfrm>
-            <a:custGeom>
-              <a:avLst/>
-              <a:pathLst>
-                <a:path w="783039" h="539557">
-                  <a:moveTo>
-                    <a:pt x="0" y="0"/>
-                  </a:moveTo>
-                  <a:lnTo>
-                    <a:pt x="0" y="539557"/>
-                  </a:lnTo>
-                  <a:lnTo>
-                    <a:pt x="783039" y="539557"/>
-                  </a:lnTo>
-                  <a:lnTo>
-                    <a:pt x="783039" y="0"/>
+              <a:off x="3956973" y="4212761"/>
+              <a:ext cx="757134" cy="500425"/>
+            </a:xfrm>
+            <a:custGeom>
+              <a:avLst/>
+              <a:pathLst>
+                <a:path w="757134" h="500425">
+                  <a:moveTo>
+                    <a:pt x="0" y="0"/>
+                  </a:moveTo>
+                  <a:lnTo>
+                    <a:pt x="0" y="500425"/>
+                  </a:lnTo>
+                  <a:lnTo>
+                    <a:pt x="757134" y="500425"/>
+                  </a:lnTo>
+                  <a:lnTo>
+                    <a:pt x="757134" y="0"/>
                   </a:lnTo>
                   <a:close/>
                 </a:path>
@@ -4440,18 +4440,18 @@
           </p:nvSpPr>
           <p:spPr>
             <a:xfrm>
-              <a:off x="3750597" y="4516673"/>
-              <a:ext cx="783039" cy="0"/>
-            </a:xfrm>
-            <a:custGeom>
-              <a:avLst/>
-              <a:pathLst>
-                <a:path w="783039" h="0">
-                  <a:moveTo>
-                    <a:pt x="0" y="0"/>
-                  </a:moveTo>
-                  <a:lnTo>
-                    <a:pt x="783039" y="0"/>
+              <a:off x="3956973" y="4510889"/>
+              <a:ext cx="757134" cy="0"/>
+            </a:xfrm>
+            <a:custGeom>
+              <a:avLst/>
+              <a:pathLst>
+                <a:path w="757134" h="0">
+                  <a:moveTo>
+                    <a:pt x="0" y="0"/>
+                  </a:moveTo>
+                  <a:lnTo>
+                    <a:pt x="757134" y="0"/>
                   </a:lnTo>
                 </a:path>
               </a:pathLst>
@@ -4480,15 +4480,15 @@
           </p:nvSpPr>
           <p:spPr>
             <a:xfrm>
-              <a:off x="5186169" y="3483093"/>
-              <a:ext cx="0" cy="1409710"/>
-            </a:xfrm>
-            <a:custGeom>
-              <a:avLst/>
-              <a:pathLst>
-                <a:path w="0" h="1409710">
-                  <a:moveTo>
-                    <a:pt x="0" y="1409710"/>
+              <a:off x="5345053" y="3552270"/>
+              <a:ext cx="0" cy="1307469"/>
+            </a:xfrm>
+            <a:custGeom>
+              <a:avLst/>
+              <a:pathLst>
+                <a:path w="0" h="1307469">
+                  <a:moveTo>
+                    <a:pt x="0" y="1307469"/>
                   </a:moveTo>
                   <a:lnTo>
                     <a:pt x="0" y="0"/>
@@ -4520,18 +4520,18 @@
           </p:nvSpPr>
           <p:spPr>
             <a:xfrm>
-              <a:off x="5186169" y="6022784"/>
-              <a:ext cx="0" cy="392926"/>
-            </a:xfrm>
-            <a:custGeom>
-              <a:avLst/>
-              <a:pathLst>
-                <a:path w="0" h="392926">
-                  <a:moveTo>
-                    <a:pt x="0" y="0"/>
-                  </a:moveTo>
-                  <a:lnTo>
-                    <a:pt x="0" y="392926"/>
+              <a:off x="5345053" y="5907768"/>
+              <a:ext cx="0" cy="364428"/>
+            </a:xfrm>
+            <a:custGeom>
+              <a:avLst/>
+              <a:pathLst>
+                <a:path w="0" h="364428">
+                  <a:moveTo>
+                    <a:pt x="0" y="0"/>
+                  </a:moveTo>
+                  <a:lnTo>
+                    <a:pt x="0" y="364428"/>
                   </a:lnTo>
                 </a:path>
               </a:pathLst>
@@ -4560,24 +4560,24 @@
           </p:nvSpPr>
           <p:spPr>
             <a:xfrm>
-              <a:off x="4794649" y="4892803"/>
-              <a:ext cx="783039" cy="1129981"/>
-            </a:xfrm>
-            <a:custGeom>
-              <a:avLst/>
-              <a:pathLst>
-                <a:path w="783039" h="1129981">
-                  <a:moveTo>
-                    <a:pt x="0" y="0"/>
-                  </a:moveTo>
-                  <a:lnTo>
-                    <a:pt x="0" y="1129981"/>
-                  </a:lnTo>
-                  <a:lnTo>
-                    <a:pt x="783039" y="1129981"/>
-                  </a:lnTo>
-                  <a:lnTo>
-                    <a:pt x="783039" y="0"/>
+              <a:off x="4966485" y="4859740"/>
+              <a:ext cx="757134" cy="1048028"/>
+            </a:xfrm>
+            <a:custGeom>
+              <a:avLst/>
+              <a:pathLst>
+                <a:path w="757134" h="1048028">
+                  <a:moveTo>
+                    <a:pt x="0" y="0"/>
+                  </a:moveTo>
+                  <a:lnTo>
+                    <a:pt x="0" y="1048028"/>
+                  </a:lnTo>
+                  <a:lnTo>
+                    <a:pt x="757134" y="1048028"/>
+                  </a:lnTo>
+                  <a:lnTo>
+                    <a:pt x="757134" y="0"/>
                   </a:lnTo>
                   <a:close/>
                 </a:path>
@@ -4612,18 +4612,18 @@
           </p:nvSpPr>
           <p:spPr>
             <a:xfrm>
-              <a:off x="4794649" y="5424638"/>
-              <a:ext cx="783039" cy="0"/>
-            </a:xfrm>
-            <a:custGeom>
-              <a:avLst/>
-              <a:pathLst>
-                <a:path w="783039" h="0">
-                  <a:moveTo>
-                    <a:pt x="0" y="0"/>
-                  </a:moveTo>
-                  <a:lnTo>
-                    <a:pt x="783039" y="0"/>
+              <a:off x="4966485" y="5353004"/>
+              <a:ext cx="757134" cy="0"/>
+            </a:xfrm>
+            <a:custGeom>
+              <a:avLst/>
+              <a:pathLst>
+                <a:path w="757134" h="0">
+                  <a:moveTo>
+                    <a:pt x="0" y="0"/>
+                  </a:moveTo>
+                  <a:lnTo>
+                    <a:pt x="757134" y="0"/>
                   </a:lnTo>
                 </a:path>
               </a:pathLst>
@@ -4652,15 +4652,15 @@
           </p:nvSpPr>
           <p:spPr>
             <a:xfrm>
-              <a:off x="6230221" y="3327705"/>
-              <a:ext cx="0" cy="1765063"/>
-            </a:xfrm>
-            <a:custGeom>
-              <a:avLst/>
-              <a:pathLst>
-                <a:path w="0" h="1765063">
-                  <a:moveTo>
-                    <a:pt x="0" y="1765063"/>
+              <a:off x="6354565" y="3408152"/>
+              <a:ext cx="0" cy="1637050"/>
+            </a:xfrm>
+            <a:custGeom>
+              <a:avLst/>
+              <a:pathLst>
+                <a:path w="0" h="1637050">
+                  <a:moveTo>
+                    <a:pt x="0" y="1637050"/>
                   </a:moveTo>
                   <a:lnTo>
                     <a:pt x="0" y="0"/>
@@ -4692,18 +4692,18 @@
           </p:nvSpPr>
           <p:spPr>
             <a:xfrm>
-              <a:off x="6230221" y="6371132"/>
-              <a:ext cx="0" cy="304724"/>
-            </a:xfrm>
-            <a:custGeom>
-              <a:avLst/>
-              <a:pathLst>
-                <a:path w="0" h="304724">
-                  <a:moveTo>
-                    <a:pt x="0" y="0"/>
-                  </a:moveTo>
-                  <a:lnTo>
-                    <a:pt x="0" y="304724"/>
+              <a:off x="6354565" y="6230852"/>
+              <a:ext cx="0" cy="282624"/>
+            </a:xfrm>
+            <a:custGeom>
+              <a:avLst/>
+              <a:pathLst>
+                <a:path w="0" h="282624">
+                  <a:moveTo>
+                    <a:pt x="0" y="0"/>
+                  </a:moveTo>
+                  <a:lnTo>
+                    <a:pt x="0" y="282624"/>
                   </a:lnTo>
                 </a:path>
               </a:pathLst>
@@ -4732,24 +4732,24 @@
           </p:nvSpPr>
           <p:spPr>
             <a:xfrm>
-              <a:off x="5838702" y="5092768"/>
-              <a:ext cx="783039" cy="1278363"/>
-            </a:xfrm>
-            <a:custGeom>
-              <a:avLst/>
-              <a:pathLst>
-                <a:path w="783039" h="1278363">
-                  <a:moveTo>
-                    <a:pt x="0" y="0"/>
-                  </a:moveTo>
-                  <a:lnTo>
-                    <a:pt x="0" y="1278363"/>
-                  </a:lnTo>
-                  <a:lnTo>
-                    <a:pt x="783039" y="1278363"/>
-                  </a:lnTo>
-                  <a:lnTo>
-                    <a:pt x="783039" y="0"/>
+              <a:off x="5975998" y="5045203"/>
+              <a:ext cx="757134" cy="1185648"/>
+            </a:xfrm>
+            <a:custGeom>
+              <a:avLst/>
+              <a:pathLst>
+                <a:path w="757134" h="1185648">
+                  <a:moveTo>
+                    <a:pt x="0" y="0"/>
+                  </a:moveTo>
+                  <a:lnTo>
+                    <a:pt x="0" y="1185648"/>
+                  </a:lnTo>
+                  <a:lnTo>
+                    <a:pt x="757134" y="1185648"/>
+                  </a:lnTo>
+                  <a:lnTo>
+                    <a:pt x="757134" y="0"/>
                   </a:lnTo>
                   <a:close/>
                 </a:path>
@@ -4784,18 +4784,18 @@
           </p:nvSpPr>
           <p:spPr>
             <a:xfrm>
-              <a:off x="5838702" y="5975340"/>
-              <a:ext cx="783039" cy="0"/>
-            </a:xfrm>
-            <a:custGeom>
-              <a:avLst/>
-              <a:pathLst>
-                <a:path w="783039" h="0">
-                  <a:moveTo>
-                    <a:pt x="0" y="0"/>
-                  </a:moveTo>
-                  <a:lnTo>
-                    <a:pt x="783039" y="0"/>
+              <a:off x="5975998" y="5863765"/>
+              <a:ext cx="757134" cy="0"/>
+            </a:xfrm>
+            <a:custGeom>
+              <a:avLst/>
+              <a:pathLst>
+                <a:path w="757134" h="0">
+                  <a:moveTo>
+                    <a:pt x="0" y="0"/>
+                  </a:moveTo>
+                  <a:lnTo>
+                    <a:pt x="757134" y="0"/>
                   </a:lnTo>
                 </a:path>
               </a:pathLst>
@@ -4824,15 +4824,15 @@
           </p:nvSpPr>
           <p:spPr>
             <a:xfrm>
-              <a:off x="7274274" y="3603454"/>
-              <a:ext cx="0" cy="172820"/>
-            </a:xfrm>
-            <a:custGeom>
-              <a:avLst/>
-              <a:pathLst>
-                <a:path w="0" h="172820">
-                  <a:moveTo>
-                    <a:pt x="0" y="172820"/>
+              <a:off x="7364078" y="3663902"/>
+              <a:ext cx="0" cy="160286"/>
+            </a:xfrm>
+            <a:custGeom>
+              <a:avLst/>
+              <a:pathLst>
+                <a:path w="0" h="160286">
+                  <a:moveTo>
+                    <a:pt x="0" y="160286"/>
                   </a:moveTo>
                   <a:lnTo>
                     <a:pt x="0" y="0"/>
@@ -4864,18 +4864,18 @@
           </p:nvSpPr>
           <p:spPr>
             <a:xfrm>
-              <a:off x="7274274" y="4333345"/>
-              <a:ext cx="0" cy="258156"/>
-            </a:xfrm>
-            <a:custGeom>
-              <a:avLst/>
-              <a:pathLst>
-                <a:path w="0" h="258156">
-                  <a:moveTo>
-                    <a:pt x="0" y="0"/>
-                  </a:moveTo>
-                  <a:lnTo>
-                    <a:pt x="0" y="258156"/>
+              <a:off x="7364078" y="4340857"/>
+              <a:ext cx="0" cy="239433"/>
+            </a:xfrm>
+            <a:custGeom>
+              <a:avLst/>
+              <a:pathLst>
+                <a:path w="0" h="239433">
+                  <a:moveTo>
+                    <a:pt x="0" y="0"/>
+                  </a:moveTo>
+                  <a:lnTo>
+                    <a:pt x="0" y="239433"/>
                   </a:lnTo>
                 </a:path>
               </a:pathLst>
@@ -4904,24 +4904,24 @@
           </p:nvSpPr>
           <p:spPr>
             <a:xfrm>
-              <a:off x="6882754" y="3776275"/>
-              <a:ext cx="783039" cy="557069"/>
-            </a:xfrm>
-            <a:custGeom>
-              <a:avLst/>
-              <a:pathLst>
-                <a:path w="783039" h="557069">
-                  <a:moveTo>
-                    <a:pt x="0" y="0"/>
-                  </a:moveTo>
-                  <a:lnTo>
-                    <a:pt x="0" y="557069"/>
-                  </a:lnTo>
-                  <a:lnTo>
-                    <a:pt x="783039" y="557069"/>
-                  </a:lnTo>
-                  <a:lnTo>
-                    <a:pt x="783039" y="0"/>
+              <a:off x="6985511" y="3824189"/>
+              <a:ext cx="757134" cy="516667"/>
+            </a:xfrm>
+            <a:custGeom>
+              <a:avLst/>
+              <a:pathLst>
+                <a:path w="757134" h="516667">
+                  <a:moveTo>
+                    <a:pt x="0" y="0"/>
+                  </a:moveTo>
+                  <a:lnTo>
+                    <a:pt x="0" y="516667"/>
+                  </a:lnTo>
+                  <a:lnTo>
+                    <a:pt x="757134" y="516667"/>
+                  </a:lnTo>
+                  <a:lnTo>
+                    <a:pt x="757134" y="0"/>
                   </a:lnTo>
                   <a:close/>
                 </a:path>
@@ -4956,18 +4956,18 @@
           </p:nvSpPr>
           <p:spPr>
             <a:xfrm>
-              <a:off x="6882754" y="4067546"/>
-              <a:ext cx="783039" cy="0"/>
-            </a:xfrm>
-            <a:custGeom>
-              <a:avLst/>
-              <a:pathLst>
-                <a:path w="783039" h="0">
-                  <a:moveTo>
-                    <a:pt x="0" y="0"/>
-                  </a:moveTo>
-                  <a:lnTo>
-                    <a:pt x="783039" y="0"/>
+              <a:off x="6985511" y="4094336"/>
+              <a:ext cx="757134" cy="0"/>
+            </a:xfrm>
+            <a:custGeom>
+              <a:avLst/>
+              <a:pathLst>
+                <a:path w="757134" h="0">
+                  <a:moveTo>
+                    <a:pt x="0" y="0"/>
+                  </a:moveTo>
+                  <a:lnTo>
+                    <a:pt x="757134" y="0"/>
                   </a:lnTo>
                 </a:path>
               </a:pathLst>
@@ -4996,15 +4996,15 @@
           </p:nvSpPr>
           <p:spPr>
             <a:xfrm>
-              <a:off x="8318326" y="2596620"/>
-              <a:ext cx="0" cy="285301"/>
-            </a:xfrm>
-            <a:custGeom>
-              <a:avLst/>
-              <a:pathLst>
-                <a:path w="0" h="285301">
-                  <a:moveTo>
-                    <a:pt x="0" y="285301"/>
+              <a:off x="8373590" y="2730090"/>
+              <a:ext cx="0" cy="264609"/>
+            </a:xfrm>
+            <a:custGeom>
+              <a:avLst/>
+              <a:pathLst>
+                <a:path w="0" h="264609">
+                  <a:moveTo>
+                    <a:pt x="0" y="264609"/>
                   </a:moveTo>
                   <a:lnTo>
                     <a:pt x="0" y="0"/>
@@ -5036,18 +5036,18 @@
           </p:nvSpPr>
           <p:spPr>
             <a:xfrm>
-              <a:off x="8318326" y="4616576"/>
-              <a:ext cx="0" cy="1792447"/>
-            </a:xfrm>
-            <a:custGeom>
-              <a:avLst/>
-              <a:pathLst>
-                <a:path w="0" h="1792447">
-                  <a:moveTo>
-                    <a:pt x="0" y="0"/>
-                  </a:moveTo>
-                  <a:lnTo>
-                    <a:pt x="0" y="1792447"/>
+              <a:off x="8373590" y="4603547"/>
+              <a:ext cx="0" cy="1662448"/>
+            </a:xfrm>
+            <a:custGeom>
+              <a:avLst/>
+              <a:pathLst>
+                <a:path w="0" h="1662448">
+                  <a:moveTo>
+                    <a:pt x="0" y="0"/>
+                  </a:moveTo>
+                  <a:lnTo>
+                    <a:pt x="0" y="1662448"/>
                   </a:lnTo>
                 </a:path>
               </a:pathLst>
@@ -5076,24 +5076,24 @@
           </p:nvSpPr>
           <p:spPr>
             <a:xfrm>
-              <a:off x="7926807" y="2881922"/>
-              <a:ext cx="783039" cy="1734654"/>
-            </a:xfrm>
-            <a:custGeom>
-              <a:avLst/>
-              <a:pathLst>
-                <a:path w="783039" h="1734654">
-                  <a:moveTo>
-                    <a:pt x="0" y="0"/>
-                  </a:moveTo>
-                  <a:lnTo>
-                    <a:pt x="0" y="1734654"/>
-                  </a:lnTo>
-                  <a:lnTo>
-                    <a:pt x="783039" y="1734654"/>
-                  </a:lnTo>
-                  <a:lnTo>
-                    <a:pt x="783039" y="0"/>
+              <a:off x="7995023" y="2994700"/>
+              <a:ext cx="757134" cy="1608847"/>
+            </a:xfrm>
+            <a:custGeom>
+              <a:avLst/>
+              <a:pathLst>
+                <a:path w="757134" h="1608847">
+                  <a:moveTo>
+                    <a:pt x="0" y="0"/>
+                  </a:moveTo>
+                  <a:lnTo>
+                    <a:pt x="0" y="1608847"/>
+                  </a:lnTo>
+                  <a:lnTo>
+                    <a:pt x="757134" y="1608847"/>
+                  </a:lnTo>
+                  <a:lnTo>
+                    <a:pt x="757134" y="0"/>
                   </a:lnTo>
                   <a:close/>
                 </a:path>
@@ -5128,18 +5128,18 @@
           </p:nvSpPr>
           <p:spPr>
             <a:xfrm>
-              <a:off x="7926807" y="3496944"/>
-              <a:ext cx="783039" cy="0"/>
-            </a:xfrm>
-            <a:custGeom>
-              <a:avLst/>
-              <a:pathLst>
-                <a:path w="783039" h="0">
-                  <a:moveTo>
-                    <a:pt x="0" y="0"/>
-                  </a:moveTo>
-                  <a:lnTo>
-                    <a:pt x="783039" y="0"/>
+              <a:off x="7995023" y="3565117"/>
+              <a:ext cx="757134" cy="0"/>
+            </a:xfrm>
+            <a:custGeom>
+              <a:avLst/>
+              <a:pathLst>
+                <a:path w="757134" h="0">
+                  <a:moveTo>
+                    <a:pt x="0" y="0"/>
+                  </a:moveTo>
+                  <a:lnTo>
+                    <a:pt x="757134" y="0"/>
                   </a:lnTo>
                 </a:path>
               </a:pathLst>
@@ -5168,15 +5168,15 @@
           </p:nvSpPr>
           <p:spPr>
             <a:xfrm>
-              <a:off x="9362379" y="1644555"/>
-              <a:ext cx="0" cy="107545"/>
-            </a:xfrm>
-            <a:custGeom>
-              <a:avLst/>
-              <a:pathLst>
-                <a:path w="0" h="107545">
-                  <a:moveTo>
-                    <a:pt x="0" y="107545"/>
+              <a:off x="9383103" y="1847074"/>
+              <a:ext cx="0" cy="99745"/>
+            </a:xfrm>
+            <a:custGeom>
+              <a:avLst/>
+              <a:pathLst>
+                <a:path w="0" h="99745">
+                  <a:moveTo>
+                    <a:pt x="0" y="99745"/>
                   </a:moveTo>
                   <a:lnTo>
                     <a:pt x="0" y="0"/>
@@ -5208,18 +5208,18 @@
           </p:nvSpPr>
           <p:spPr>
             <a:xfrm>
-              <a:off x="9362379" y="1957797"/>
-              <a:ext cx="0" cy="303530"/>
-            </a:xfrm>
-            <a:custGeom>
-              <a:avLst/>
-              <a:pathLst>
-                <a:path w="0" h="303530">
-                  <a:moveTo>
-                    <a:pt x="0" y="0"/>
-                  </a:moveTo>
-                  <a:lnTo>
-                    <a:pt x="0" y="303530"/>
+              <a:off x="9383103" y="2137598"/>
+              <a:ext cx="0" cy="281516"/>
+            </a:xfrm>
+            <a:custGeom>
+              <a:avLst/>
+              <a:pathLst>
+                <a:path w="0" h="281516">
+                  <a:moveTo>
+                    <a:pt x="0" y="0"/>
+                  </a:moveTo>
+                  <a:lnTo>
+                    <a:pt x="0" y="281516"/>
                   </a:lnTo>
                 </a:path>
               </a:pathLst>
@@ -5248,24 +5248,24 @@
           </p:nvSpPr>
           <p:spPr>
             <a:xfrm>
-              <a:off x="8970859" y="1752100"/>
-              <a:ext cx="783039" cy="205697"/>
-            </a:xfrm>
-            <a:custGeom>
-              <a:avLst/>
-              <a:pathLst>
-                <a:path w="783039" h="205697">
-                  <a:moveTo>
-                    <a:pt x="0" y="0"/>
-                  </a:moveTo>
-                  <a:lnTo>
-                    <a:pt x="0" y="205697"/>
-                  </a:lnTo>
-                  <a:lnTo>
-                    <a:pt x="783039" y="205697"/>
-                  </a:lnTo>
-                  <a:lnTo>
-                    <a:pt x="783039" y="0"/>
+              <a:off x="9004536" y="1946819"/>
+              <a:ext cx="757134" cy="190778"/>
+            </a:xfrm>
+            <a:custGeom>
+              <a:avLst/>
+              <a:pathLst>
+                <a:path w="757134" h="190778">
+                  <a:moveTo>
+                    <a:pt x="0" y="0"/>
+                  </a:moveTo>
+                  <a:lnTo>
+                    <a:pt x="0" y="190778"/>
+                  </a:lnTo>
+                  <a:lnTo>
+                    <a:pt x="757134" y="190778"/>
+                  </a:lnTo>
+                  <a:lnTo>
+                    <a:pt x="757134" y="0"/>
                   </a:lnTo>
                   <a:close/>
                 </a:path>
@@ -5300,18 +5300,18 @@
           </p:nvSpPr>
           <p:spPr>
             <a:xfrm>
-              <a:off x="8970859" y="1832261"/>
-              <a:ext cx="783039" cy="0"/>
-            </a:xfrm>
-            <a:custGeom>
-              <a:avLst/>
-              <a:pathLst>
-                <a:path w="783039" h="0">
-                  <a:moveTo>
-                    <a:pt x="0" y="0"/>
-                  </a:moveTo>
-                  <a:lnTo>
-                    <a:pt x="783039" y="0"/>
+              <a:off x="9004536" y="2021167"/>
+              <a:ext cx="757134" cy="0"/>
+            </a:xfrm>
+            <a:custGeom>
+              <a:avLst/>
+              <a:pathLst>
+                <a:path w="757134" h="0">
+                  <a:moveTo>
+                    <a:pt x="0" y="0"/>
+                  </a:moveTo>
+                  <a:lnTo>
+                    <a:pt x="757134" y="0"/>
                   </a:lnTo>
                 </a:path>
               </a:pathLst>
@@ -5340,8 +5340,8 @@
           </p:nvSpPr>
           <p:spPr>
             <a:xfrm>
-              <a:off x="1427580" y="1392990"/>
-              <a:ext cx="8561230" cy="5534432"/>
+              <a:off x="1710807" y="1613754"/>
+              <a:ext cx="8278003" cy="5133042"/>
             </a:xfrm>
             <a:prstGeom prst="rect">
               <a:avLst/>
@@ -5370,8 +5370,8 @@
           </p:nvSpPr>
           <p:spPr>
             <a:xfrm>
-              <a:off x="1197310" y="5370314"/>
-              <a:ext cx="167640" cy="76835"/>
+              <a:off x="1343377" y="5267137"/>
+              <a:ext cx="304800" cy="139700"/>
             </a:xfrm>
             <a:prstGeom prst="rect">
               <a:avLst/>
@@ -5384,7 +5384,7 @@
             <a:p>
               <a:pPr algn="l" marL="0" marR="0" indent="0">
                 <a:lnSpc>
-                  <a:spcPts val="880"/>
+                  <a:spcPts val="1600"/>
                 </a:lnSpc>
                 <a:spcBef>
                   <a:spcPts val="0"/>
@@ -5394,7 +5394,7 @@
                 </a:spcAft>
               </a:pPr>
               <a:r>
-                <a:rPr sz="880">
+                <a:rPr sz="1600">
                   <a:solidFill>
                     <a:srgbClr val="4D4D4D">
                       <a:alpha val="100000"/>
@@ -5416,8 +5416,8 @@
           </p:nvSpPr>
           <p:spPr>
             <a:xfrm>
-              <a:off x="1141430" y="3778231"/>
-              <a:ext cx="223520" cy="76835"/>
+              <a:off x="1241777" y="3790521"/>
+              <a:ext cx="406400" cy="139700"/>
             </a:xfrm>
             <a:prstGeom prst="rect">
               <a:avLst/>
@@ -5430,7 +5430,7 @@
             <a:p>
               <a:pPr algn="l" marL="0" marR="0" indent="0">
                 <a:lnSpc>
-                  <a:spcPts val="880"/>
+                  <a:spcPts val="1600"/>
                 </a:lnSpc>
                 <a:spcBef>
                   <a:spcPts val="0"/>
@@ -5440,7 +5440,7 @@
                 </a:spcAft>
               </a:pPr>
               <a:r>
-                <a:rPr sz="880">
+                <a:rPr sz="1600">
                   <a:solidFill>
                     <a:srgbClr val="4D4D4D">
                       <a:alpha val="100000"/>
@@ -5462,8 +5462,8 @@
           </p:nvSpPr>
           <p:spPr>
             <a:xfrm>
-              <a:off x="1141430" y="2186147"/>
-              <a:ext cx="223520" cy="76835"/>
+              <a:off x="1241777" y="2313904"/>
+              <a:ext cx="406400" cy="139700"/>
             </a:xfrm>
             <a:prstGeom prst="rect">
               <a:avLst/>
@@ -5476,7 +5476,7 @@
             <a:p>
               <a:pPr algn="l" marL="0" marR="0" indent="0">
                 <a:lnSpc>
-                  <a:spcPts val="880"/>
+                  <a:spcPts val="1600"/>
                 </a:lnSpc>
                 <a:spcBef>
                   <a:spcPts val="0"/>
@@ -5486,7 +5486,7 @@
                 </a:spcAft>
               </a:pPr>
               <a:r>
-                <a:rPr sz="880">
+                <a:rPr sz="1600">
                   <a:solidFill>
                     <a:srgbClr val="4D4D4D">
                       <a:alpha val="100000"/>
@@ -5508,7 +5508,7 @@
           </p:nvSpPr>
           <p:spPr>
             <a:xfrm>
-              <a:off x="1392785" y="5410150"/>
+              <a:off x="1676013" y="5339566"/>
               <a:ext cx="34794" cy="0"/>
             </a:xfrm>
             <a:custGeom>
@@ -5548,7 +5548,7 @@
           </p:nvSpPr>
           <p:spPr>
             <a:xfrm>
-              <a:off x="1392785" y="3818067"/>
+              <a:off x="1676013" y="3862950"/>
               <a:ext cx="34794" cy="0"/>
             </a:xfrm>
             <a:custGeom>
@@ -5588,7 +5588,7 @@
           </p:nvSpPr>
           <p:spPr>
             <a:xfrm>
-              <a:off x="1392785" y="2225983"/>
+              <a:off x="1676013" y="2386334"/>
               <a:ext cx="34794" cy="0"/>
             </a:xfrm>
             <a:custGeom>
@@ -5628,7 +5628,7 @@
           </p:nvSpPr>
           <p:spPr>
             <a:xfrm>
-              <a:off x="2054011" y="6927422"/>
+              <a:off x="2316515" y="6746796"/>
               <a:ext cx="0" cy="34794"/>
             </a:xfrm>
             <a:custGeom>
@@ -5668,7 +5668,7 @@
           </p:nvSpPr>
           <p:spPr>
             <a:xfrm>
-              <a:off x="3098064" y="6927422"/>
+              <a:off x="3326027" y="6746796"/>
               <a:ext cx="0" cy="34794"/>
             </a:xfrm>
             <a:custGeom>
@@ -5708,7 +5708,7 @@
           </p:nvSpPr>
           <p:spPr>
             <a:xfrm>
-              <a:off x="4142116" y="6927422"/>
+              <a:off x="4335540" y="6746796"/>
               <a:ext cx="0" cy="34794"/>
             </a:xfrm>
             <a:custGeom>
@@ -5748,7 +5748,7 @@
           </p:nvSpPr>
           <p:spPr>
             <a:xfrm>
-              <a:off x="5186169" y="6927422"/>
+              <a:off x="5345053" y="6746796"/>
               <a:ext cx="0" cy="34794"/>
             </a:xfrm>
             <a:custGeom>
@@ -5788,7 +5788,7 @@
           </p:nvSpPr>
           <p:spPr>
             <a:xfrm>
-              <a:off x="6230221" y="6927422"/>
+              <a:off x="6354565" y="6746796"/>
               <a:ext cx="0" cy="34794"/>
             </a:xfrm>
             <a:custGeom>
@@ -5828,7 +5828,7 @@
           </p:nvSpPr>
           <p:spPr>
             <a:xfrm>
-              <a:off x="7274274" y="6927422"/>
+              <a:off x="7364078" y="6746796"/>
               <a:ext cx="0" cy="34794"/>
             </a:xfrm>
             <a:custGeom>
@@ -5868,7 +5868,7 @@
           </p:nvSpPr>
           <p:spPr>
             <a:xfrm>
-              <a:off x="8318326" y="6927422"/>
+              <a:off x="8373590" y="6746796"/>
               <a:ext cx="0" cy="34794"/>
             </a:xfrm>
             <a:custGeom>
@@ -5908,7 +5908,7 @@
           </p:nvSpPr>
           <p:spPr>
             <a:xfrm>
-              <a:off x="9362379" y="6927422"/>
+              <a:off x="9383103" y="6746796"/>
               <a:ext cx="0" cy="34794"/>
             </a:xfrm>
             <a:custGeom>
@@ -5948,8 +5948,8 @@
           </p:nvSpPr>
           <p:spPr>
             <a:xfrm>
-              <a:off x="1836794" y="6984922"/>
-              <a:ext cx="434434" cy="79126"/>
+              <a:off x="1921575" y="6800100"/>
+              <a:ext cx="789880" cy="143867"/>
             </a:xfrm>
             <a:prstGeom prst="rect">
               <a:avLst/>
@@ -5962,7 +5962,7 @@
             <a:p>
               <a:pPr algn="l" marL="0" marR="0" indent="0">
                 <a:lnSpc>
-                  <a:spcPts val="880"/>
+                  <a:spcPts val="1600"/>
                 </a:lnSpc>
                 <a:spcBef>
                   <a:spcPts val="0"/>
@@ -5972,7 +5972,7 @@
                 </a:spcAft>
               </a:pPr>
               <a:r>
-                <a:rPr sz="880">
+                <a:rPr sz="1600">
                   <a:solidFill>
                     <a:srgbClr val="4D4D4D">
                       <a:alpha val="100000"/>
@@ -5994,8 +5994,8 @@
           </p:nvSpPr>
           <p:spPr>
             <a:xfrm>
-              <a:off x="2818691" y="6962330"/>
-              <a:ext cx="558745" cy="101719"/>
+              <a:off x="2818077" y="6759023"/>
+              <a:ext cx="1015900" cy="184943"/>
             </a:xfrm>
             <a:prstGeom prst="rect">
               <a:avLst/>
@@ -6008,7 +6008,7 @@
             <a:p>
               <a:pPr algn="l" marL="0" marR="0" indent="0">
                 <a:lnSpc>
-                  <a:spcPts val="880"/>
+                  <a:spcPts val="1600"/>
                 </a:lnSpc>
                 <a:spcBef>
                   <a:spcPts val="0"/>
@@ -6018,7 +6018,7 @@
                 </a:spcAft>
               </a:pPr>
               <a:r>
-                <a:rPr sz="880">
+                <a:rPr sz="1600">
                   <a:solidFill>
                     <a:srgbClr val="4D4D4D">
                       <a:alpha val="100000"/>
@@ -6040,8 +6040,8 @@
           </p:nvSpPr>
           <p:spPr>
             <a:xfrm>
-              <a:off x="3959006" y="6984922"/>
-              <a:ext cx="366221" cy="79126"/>
+              <a:off x="4002612" y="6800100"/>
+              <a:ext cx="665857" cy="143867"/>
             </a:xfrm>
             <a:prstGeom prst="rect">
               <a:avLst/>
@@ -6054,7 +6054,7 @@
             <a:p>
               <a:pPr algn="l" marL="0" marR="0" indent="0">
                 <a:lnSpc>
-                  <a:spcPts val="880"/>
+                  <a:spcPts val="1600"/>
                 </a:lnSpc>
                 <a:spcBef>
                   <a:spcPts val="0"/>
@@ -6064,7 +6064,7 @@
                 </a:spcAft>
               </a:pPr>
               <a:r>
-                <a:rPr sz="880">
+                <a:rPr sz="1600">
                   <a:solidFill>
                     <a:srgbClr val="4D4D4D">
                       <a:alpha val="100000"/>
@@ -6086,8 +6086,8 @@
           </p:nvSpPr>
           <p:spPr>
             <a:xfrm>
-              <a:off x="4894463" y="6984922"/>
-              <a:ext cx="583411" cy="79126"/>
+              <a:off x="4814679" y="6800100"/>
+              <a:ext cx="1060747" cy="143867"/>
             </a:xfrm>
             <a:prstGeom prst="rect">
               <a:avLst/>
@@ -6100,7 +6100,7 @@
             <a:p>
               <a:pPr algn="l" marL="0" marR="0" indent="0">
                 <a:lnSpc>
-                  <a:spcPts val="880"/>
+                  <a:spcPts val="1600"/>
                 </a:lnSpc>
                 <a:spcBef>
                   <a:spcPts val="0"/>
@@ -6110,7 +6110,7 @@
                 </a:spcAft>
               </a:pPr>
               <a:r>
-                <a:rPr sz="880">
+                <a:rPr sz="1600">
                   <a:solidFill>
                     <a:srgbClr val="4D4D4D">
                       <a:alpha val="100000"/>
@@ -6132,8 +6132,8 @@
           </p:nvSpPr>
           <p:spPr>
             <a:xfrm>
-              <a:off x="6040944" y="6985413"/>
-              <a:ext cx="378554" cy="78635"/>
+              <a:off x="6010425" y="6800993"/>
+              <a:ext cx="688280" cy="142974"/>
             </a:xfrm>
             <a:prstGeom prst="rect">
               <a:avLst/>
@@ -6146,7 +6146,7 @@
             <a:p>
               <a:pPr algn="l" marL="0" marR="0" indent="0">
                 <a:lnSpc>
-                  <a:spcPts val="880"/>
+                  <a:spcPts val="1600"/>
                 </a:lnSpc>
                 <a:spcBef>
                   <a:spcPts val="0"/>
@@ -6156,7 +6156,7 @@
                 </a:spcAft>
               </a:pPr>
               <a:r>
-                <a:rPr sz="880">
+                <a:rPr sz="1600">
                   <a:solidFill>
                     <a:srgbClr val="4D4D4D">
                       <a:alpha val="100000"/>
@@ -6178,8 +6178,8 @@
           </p:nvSpPr>
           <p:spPr>
             <a:xfrm>
-              <a:off x="7001095" y="6962330"/>
-              <a:ext cx="546357" cy="101719"/>
+              <a:off x="6867389" y="6759023"/>
+              <a:ext cx="993378" cy="184943"/>
             </a:xfrm>
             <a:prstGeom prst="rect">
               <a:avLst/>
@@ -6192,7 +6192,7 @@
             <a:p>
               <a:pPr algn="l" marL="0" marR="0" indent="0">
                 <a:lnSpc>
-                  <a:spcPts val="880"/>
+                  <a:spcPts val="1600"/>
                 </a:lnSpc>
                 <a:spcBef>
                   <a:spcPts val="0"/>
@@ -6202,7 +6202,7 @@
                 </a:spcAft>
               </a:pPr>
               <a:r>
-                <a:rPr sz="880">
+                <a:rPr sz="1600">
                   <a:solidFill>
                     <a:srgbClr val="4D4D4D">
                       <a:alpha val="100000"/>
@@ -6224,8 +6224,8 @@
           </p:nvSpPr>
           <p:spPr>
             <a:xfrm>
-              <a:off x="7998626" y="6962548"/>
-              <a:ext cx="639400" cy="101500"/>
+              <a:off x="7792317" y="6759420"/>
+              <a:ext cx="1162546" cy="184546"/>
             </a:xfrm>
             <a:prstGeom prst="rect">
               <a:avLst/>
@@ -6238,7 +6238,7 @@
             <a:p>
               <a:pPr algn="l" marL="0" marR="0" indent="0">
                 <a:lnSpc>
-                  <a:spcPts val="880"/>
+                  <a:spcPts val="1600"/>
                 </a:lnSpc>
                 <a:spcBef>
                   <a:spcPts val="0"/>
@@ -6248,7 +6248,7 @@
                 </a:spcAft>
               </a:pPr>
               <a:r>
-                <a:rPr sz="880">
+                <a:rPr sz="1600">
                   <a:solidFill>
                     <a:srgbClr val="4D4D4D">
                       <a:alpha val="100000"/>
@@ -6270,8 +6270,8 @@
           </p:nvSpPr>
           <p:spPr>
             <a:xfrm>
-              <a:off x="9076813" y="6962330"/>
-              <a:ext cx="571132" cy="101719"/>
+              <a:off x="8863891" y="6759023"/>
+              <a:ext cx="1038423" cy="184943"/>
             </a:xfrm>
             <a:prstGeom prst="rect">
               <a:avLst/>
@@ -6284,7 +6284,7 @@
             <a:p>
               <a:pPr algn="l" marL="0" marR="0" indent="0">
                 <a:lnSpc>
-                  <a:spcPts val="880"/>
+                  <a:spcPts val="1600"/>
                 </a:lnSpc>
                 <a:spcBef>
                   <a:spcPts val="0"/>
@@ -6294,7 +6294,7 @@
                 </a:spcAft>
               </a:pPr>
               <a:r>
-                <a:rPr sz="880">
+                <a:rPr sz="1600">
                   <a:solidFill>
                     <a:srgbClr val="4D4D4D">
                       <a:alpha val="100000"/>
@@ -6316,8 +6316,8 @@
           </p:nvSpPr>
           <p:spPr>
             <a:xfrm>
-              <a:off x="5545269" y="7116347"/>
-              <a:ext cx="325852" cy="99113"/>
+              <a:off x="5553579" y="7010586"/>
+              <a:ext cx="592459" cy="180206"/>
             </a:xfrm>
             <a:prstGeom prst="rect">
               <a:avLst/>
@@ -6330,7 +6330,7 @@
             <a:p>
               <a:pPr algn="l" marL="0" marR="0" indent="0">
                 <a:lnSpc>
-                  <a:spcPts val="1100"/>
+                  <a:spcPts val="2000"/>
                 </a:lnSpc>
                 <a:spcBef>
                   <a:spcPts val="0"/>
@@ -6340,7 +6340,7 @@
                 </a:spcAft>
               </a:pPr>
               <a:r>
-                <a:rPr sz="1100">
+                <a:rPr sz="2000">
                   <a:solidFill>
                     <a:srgbClr val="000000">
                       <a:alpha val="100000"/>
@@ -6362,8 +6362,8 @@
           </p:nvSpPr>
           <p:spPr>
             <a:xfrm rot="-5400000">
-              <a:off x="332351" y="4110649"/>
-              <a:ext cx="1389155" cy="99113"/>
+              <a:off x="-200806" y="4090172"/>
+              <a:ext cx="2525737" cy="180206"/>
             </a:xfrm>
             <a:prstGeom prst="rect">
               <a:avLst/>
@@ -6376,7 +6376,7 @@
             <a:p>
               <a:pPr algn="l" marL="0" marR="0" indent="0">
                 <a:lnSpc>
-                  <a:spcPts val="1100"/>
+                  <a:spcPts val="2000"/>
                 </a:lnSpc>
                 <a:spcBef>
                   <a:spcPts val="0"/>
@@ -6386,7 +6386,7 @@
                 </a:spcAft>
               </a:pPr>
               <a:r>
-                <a:rPr sz="1100">
+                <a:rPr sz="2000">
                   <a:solidFill>
                     <a:srgbClr val="000000">
                       <a:alpha val="100000"/>
@@ -6408,8 +6408,8 @@
           </p:nvSpPr>
           <p:spPr>
             <a:xfrm>
-              <a:off x="1427580" y="1166102"/>
-              <a:ext cx="1171692" cy="127148"/>
+              <a:off x="1710807" y="1258167"/>
+              <a:ext cx="2130350" cy="231179"/>
             </a:xfrm>
             <a:prstGeom prst="rect">
               <a:avLst/>
@@ -6422,7 +6422,7 @@
             <a:p>
               <a:pPr algn="l" marL="0" marR="0" indent="0">
                 <a:lnSpc>
-                  <a:spcPts val="1100"/>
+                  <a:spcPts val="2000"/>
                 </a:lnSpc>
                 <a:spcBef>
                   <a:spcPts val="0"/>
@@ -6432,7 +6432,7 @@
                 </a:spcAft>
               </a:pPr>
               <a:r>
-                <a:rPr sz="1100">
+                <a:rPr sz="2000">
                   <a:solidFill>
                     <a:srgbClr val="000000">
                       <a:alpha val="100000"/>
@@ -6454,8 +6454,8 @@
           </p:nvSpPr>
           <p:spPr>
             <a:xfrm>
-              <a:off x="1427580" y="976049"/>
-              <a:ext cx="1732225" cy="118935"/>
+              <a:off x="1710807" y="969552"/>
+              <a:ext cx="3149500" cy="216247"/>
             </a:xfrm>
             <a:prstGeom prst="rect">
               <a:avLst/>
@@ -6468,7 +6468,7 @@
             <a:p>
               <a:pPr algn="l" marL="0" marR="0" indent="0">
                 <a:lnSpc>
-                  <a:spcPts val="1320"/>
+                  <a:spcPts val="2400"/>
                 </a:lnSpc>
                 <a:spcBef>
                   <a:spcPts val="0"/>
@@ -6478,7 +6478,7 @@
                 </a:spcAft>
               </a:pPr>
               <a:r>
-                <a:rPr sz="1320">
+                <a:rPr sz="2400">
                   <a:solidFill>
                     <a:srgbClr val="000000">
                       <a:alpha val="100000"/>
